--- a/Java3组机车.pptx
+++ b/Java3组机车.pptx
@@ -121,7 +121,7 @@
   </p:defaultTextStyle>
   <p:extLst>
     <p:ext uri="{EFAFB233-063F-42B5-8137-9DF3F51BA10A}">
-      <p15:sldGuideLst xmlns="" xmlns:p15="http://schemas.microsoft.com/office/powerpoint/2012/main">
+      <p15:sldGuideLst xmlns:p15="http://schemas.microsoft.com/office/powerpoint/2012/main">
         <p15:guide id="1" orient="horz" pos="2160">
           <p15:clr>
             <a:srgbClr val="A4A3A4"/>
@@ -135,7 +135,7 @@
       </p15:sldGuideLst>
     </p:ext>
     <p:ext uri="{2D200454-40CA-4A62-9FC3-DE9A4176ACB9}">
-      <p15:notesGuideLst xmlns="" xmlns:p15="http://schemas.microsoft.com/office/powerpoint/2012/main">
+      <p15:notesGuideLst xmlns:p15="http://schemas.microsoft.com/office/powerpoint/2012/main">
         <p15:guide id="1" orient="horz" pos="2880">
           <p15:clr>
             <a:srgbClr val="A4A3A4"/>
@@ -1112,14 +1112,14 @@
         <a:p>
           <a:pPr rtl="0"/>
           <a:r>
-            <a:rPr lang="zh-CN" altLang="en-US" noProof="0" smtClean="0">
+            <a:rPr lang="zh-CN" altLang="en-US" noProof="0">
               <a:latin typeface="微软雅黑" panose="020B0503020204020204" pitchFamily="34" charset="-122"/>
               <a:ea typeface="微软雅黑" panose="020B0503020204020204" pitchFamily="34" charset="-122"/>
             </a:rPr>
             <a:t>前端：</a:t>
           </a:r>
           <a:r>
-            <a:rPr lang="en-US" altLang="zh-CN" noProof="0" smtClean="0">
+            <a:rPr lang="en-US" altLang="zh-CN" noProof="0">
               <a:latin typeface="微软雅黑" panose="020B0503020204020204" pitchFamily="34" charset="-122"/>
               <a:ea typeface="微软雅黑" panose="020B0503020204020204" pitchFamily="34" charset="-122"/>
             </a:rPr>
@@ -1165,14 +1165,14 @@
         <a:p>
           <a:pPr rtl="0"/>
           <a:r>
-            <a:rPr lang="zh-CN" altLang="en-US" noProof="0" smtClean="0">
+            <a:rPr lang="zh-CN" altLang="en-US" noProof="0">
               <a:latin typeface="微软雅黑" panose="020B0503020204020204" pitchFamily="34" charset="-122"/>
               <a:ea typeface="微软雅黑" panose="020B0503020204020204" pitchFamily="34" charset="-122"/>
             </a:rPr>
             <a:t>图片服务器：</a:t>
           </a:r>
           <a:r>
-            <a:rPr lang="en-US" altLang="zh-CN" noProof="0" smtClean="0">
+            <a:rPr lang="en-US" altLang="zh-CN" noProof="0">
               <a:latin typeface="微软雅黑" panose="020B0503020204020204" pitchFamily="34" charset="-122"/>
               <a:ea typeface="微软雅黑" panose="020B0503020204020204" pitchFamily="34" charset="-122"/>
             </a:rPr>
@@ -1243,23 +1243,19 @@
         <a:p>
           <a:pPr rtl="0"/>
           <a:r>
-            <a:rPr lang="zh-CN" altLang="en-US" noProof="0" smtClean="0">
+            <a:rPr lang="zh-CN" altLang="en-US" noProof="0" dirty="0">
               <a:latin typeface="微软雅黑" panose="020B0503020204020204" pitchFamily="34" charset="-122"/>
               <a:ea typeface="微软雅黑" panose="020B0503020204020204" pitchFamily="34" charset="-122"/>
             </a:rPr>
             <a:t>后台： </a:t>
           </a:r>
           <a:r>
-            <a:rPr lang="en-US" altLang="zh-CN" noProof="0" smtClean="0">
+            <a:rPr lang="en-US" altLang="zh-CN" noProof="0" dirty="0">
               <a:latin typeface="微软雅黑" panose="020B0503020204020204" pitchFamily="34" charset="-122"/>
               <a:ea typeface="微软雅黑" panose="020B0503020204020204" pitchFamily="34" charset="-122"/>
             </a:rPr>
-            <a:t>8080</a:t>
+            <a:t>8088</a:t>
           </a:r>
-          <a:endParaRPr lang="en-US" altLang="zh-CN" noProof="0" dirty="0">
-            <a:latin typeface="微软雅黑" panose="020B0503020204020204" pitchFamily="34" charset="-122"/>
-            <a:ea typeface="微软雅黑" panose="020B0503020204020204" pitchFamily="34" charset="-122"/>
-          </a:endParaRPr>
         </a:p>
       </dgm:t>
     </dgm:pt>
@@ -1296,13 +1292,6 @@
         </dgm:presLayoutVars>
       </dgm:prSet>
       <dgm:spPr/>
-      <dgm:t>
-        <a:bodyPr/>
-        <a:lstStyle/>
-        <a:p>
-          <a:endParaRPr lang="zh-CN" altLang="en-US"/>
-        </a:p>
-      </dgm:t>
     </dgm:pt>
     <dgm:pt modelId="{3E0E8213-E460-4EB7-9A92-C2B1CC553F0D}" type="pres">
       <dgm:prSet presAssocID="{CD7942A0-B7D2-4B14-8FEA-55FC702F5BE7}" presName="dummyMaxCanvas" presStyleCnt="0">
@@ -1317,13 +1306,6 @@
         </dgm:presLayoutVars>
       </dgm:prSet>
       <dgm:spPr/>
-      <dgm:t>
-        <a:bodyPr/>
-        <a:lstStyle/>
-        <a:p>
-          <a:endParaRPr lang="zh-CN" altLang="en-US"/>
-        </a:p>
-      </dgm:t>
     </dgm:pt>
     <dgm:pt modelId="{CA544AF7-F7B2-4CA5-9251-B4CDB8D06634}" type="pres">
       <dgm:prSet presAssocID="{CD7942A0-B7D2-4B14-8FEA-55FC702F5BE7}" presName="ThreeNodes_2" presStyleLbl="node1" presStyleIdx="1" presStyleCnt="3">
@@ -1332,13 +1314,6 @@
         </dgm:presLayoutVars>
       </dgm:prSet>
       <dgm:spPr/>
-      <dgm:t>
-        <a:bodyPr/>
-        <a:lstStyle/>
-        <a:p>
-          <a:endParaRPr lang="zh-CN" altLang="en-US"/>
-        </a:p>
-      </dgm:t>
     </dgm:pt>
     <dgm:pt modelId="{2AE92D3F-F0FA-45DD-BB60-4C6FBC6BC016}" type="pres">
       <dgm:prSet presAssocID="{CD7942A0-B7D2-4B14-8FEA-55FC702F5BE7}" presName="ThreeNodes_3" presStyleLbl="node1" presStyleIdx="2" presStyleCnt="3">
@@ -1347,13 +1322,6 @@
         </dgm:presLayoutVars>
       </dgm:prSet>
       <dgm:spPr/>
-      <dgm:t>
-        <a:bodyPr/>
-        <a:lstStyle/>
-        <a:p>
-          <a:endParaRPr lang="zh-CN" altLang="en-US"/>
-        </a:p>
-      </dgm:t>
     </dgm:pt>
     <dgm:pt modelId="{9CA877D8-99F8-40A0-89E9-59A61C9A70F4}" type="pres">
       <dgm:prSet presAssocID="{CD7942A0-B7D2-4B14-8FEA-55FC702F5BE7}" presName="ThreeConn_1-2" presStyleLbl="fgAccFollowNode1" presStyleIdx="0" presStyleCnt="2">
@@ -1362,13 +1330,6 @@
         </dgm:presLayoutVars>
       </dgm:prSet>
       <dgm:spPr/>
-      <dgm:t>
-        <a:bodyPr/>
-        <a:lstStyle/>
-        <a:p>
-          <a:endParaRPr lang="zh-CN" altLang="en-US"/>
-        </a:p>
-      </dgm:t>
     </dgm:pt>
     <dgm:pt modelId="{62643EF2-016C-41F1-8CBC-398422A85727}" type="pres">
       <dgm:prSet presAssocID="{CD7942A0-B7D2-4B14-8FEA-55FC702F5BE7}" presName="ThreeConn_2-3" presStyleLbl="fgAccFollowNode1" presStyleIdx="1" presStyleCnt="2" custAng="10800000">
@@ -1377,13 +1338,6 @@
         </dgm:presLayoutVars>
       </dgm:prSet>
       <dgm:spPr/>
-      <dgm:t>
-        <a:bodyPr/>
-        <a:lstStyle/>
-        <a:p>
-          <a:endParaRPr lang="zh-CN" altLang="en-US"/>
-        </a:p>
-      </dgm:t>
     </dgm:pt>
     <dgm:pt modelId="{7A2F6994-DA87-4497-BFC7-DD9D6EC5315F}" type="pres">
       <dgm:prSet presAssocID="{CD7942A0-B7D2-4B14-8FEA-55FC702F5BE7}" presName="ThreeNodes_1_text" presStyleLbl="node1" presStyleIdx="2" presStyleCnt="3">
@@ -1392,13 +1346,6 @@
         </dgm:presLayoutVars>
       </dgm:prSet>
       <dgm:spPr/>
-      <dgm:t>
-        <a:bodyPr/>
-        <a:lstStyle/>
-        <a:p>
-          <a:endParaRPr lang="zh-CN" altLang="en-US"/>
-        </a:p>
-      </dgm:t>
     </dgm:pt>
     <dgm:pt modelId="{916C48CB-E452-4B79-A9B9-4C9A90B47960}" type="pres">
       <dgm:prSet presAssocID="{CD7942A0-B7D2-4B14-8FEA-55FC702F5BE7}" presName="ThreeNodes_2_text" presStyleLbl="node1" presStyleIdx="2" presStyleCnt="3">
@@ -1407,13 +1354,6 @@
         </dgm:presLayoutVars>
       </dgm:prSet>
       <dgm:spPr/>
-      <dgm:t>
-        <a:bodyPr/>
-        <a:lstStyle/>
-        <a:p>
-          <a:endParaRPr lang="zh-CN" altLang="en-US"/>
-        </a:p>
-      </dgm:t>
     </dgm:pt>
     <dgm:pt modelId="{A31D264E-E285-4E5C-8EB7-762CD501BE72}" type="pres">
       <dgm:prSet presAssocID="{CD7942A0-B7D2-4B14-8FEA-55FC702F5BE7}" presName="ThreeNodes_3_text" presStyleLbl="node1" presStyleIdx="2" presStyleCnt="3">
@@ -1422,28 +1362,21 @@
         </dgm:presLayoutVars>
       </dgm:prSet>
       <dgm:spPr/>
-      <dgm:t>
-        <a:bodyPr/>
-        <a:lstStyle/>
-        <a:p>
-          <a:endParaRPr lang="zh-CN" altLang="en-US"/>
-        </a:p>
-      </dgm:t>
     </dgm:pt>
   </dgm:ptLst>
   <dgm:cxnLst>
-    <dgm:cxn modelId="{6CF7D6F9-A5F2-48E3-AF5C-A2074559AE21}" type="presOf" srcId="{B3EFD4A5-9FA1-4ABE-B722-05162509509B}" destId="{62643EF2-016C-41F1-8CBC-398422A85727}" srcOrd="0" destOrd="0" presId="urn:microsoft.com/office/officeart/2005/8/layout/vProcess5"/>
+    <dgm:cxn modelId="{5A89A138-BC1A-490F-935E-2EC3F74E8E18}" type="presOf" srcId="{7133ECF5-4190-4604-AA2F-03C9A0A9210F}" destId="{2AE92D3F-F0FA-45DD-BB60-4C6FBC6BC016}" srcOrd="0" destOrd="0" presId="urn:microsoft.com/office/officeart/2005/8/layout/vProcess5"/>
+    <dgm:cxn modelId="{011A9761-E983-4C7D-AB1D-2038261D8FF8}" srcId="{CD7942A0-B7D2-4B14-8FEA-55FC702F5BE7}" destId="{7133ECF5-4190-4604-AA2F-03C9A0A9210F}" srcOrd="2" destOrd="0" parTransId="{7D1B29D7-21DD-436A-8F7C-E87DE53C1431}" sibTransId="{46037378-034A-4662-877A-B53E1DA069A3}"/>
+    <dgm:cxn modelId="{8A063A46-8F8D-405A-B2D6-6495FA638F46}" type="presOf" srcId="{8EC937D8-BD76-4A12-A3E5-900D5C1E2E05}" destId="{CA544AF7-F7B2-4CA5-9251-B4CDB8D06634}" srcOrd="0" destOrd="0" presId="urn:microsoft.com/office/officeart/2005/8/layout/vProcess5"/>
+    <dgm:cxn modelId="{A071614A-8A85-47B2-A113-0652CAB9B428}" type="presOf" srcId="{095A5E99-E976-4550-8F80-53CC813F2F5A}" destId="{124EF20B-D98C-45B2-BB13-7B93B5373CEB}" srcOrd="0" destOrd="0" presId="urn:microsoft.com/office/officeart/2005/8/layout/vProcess5"/>
+    <dgm:cxn modelId="{43DC8383-AEE5-490C-A8E5-1F216F2B8FE6}" srcId="{CD7942A0-B7D2-4B14-8FEA-55FC702F5BE7}" destId="{8EC937D8-BD76-4A12-A3E5-900D5C1E2E05}" srcOrd="1" destOrd="0" parTransId="{8265EE85-9851-494E-A6D3-1CDACE947DF3}" sibTransId="{B3EFD4A5-9FA1-4ABE-B722-05162509509B}"/>
+    <dgm:cxn modelId="{03E7038C-2CC0-496B-88A0-60396CDC31E4}" type="presOf" srcId="{7133ECF5-4190-4604-AA2F-03C9A0A9210F}" destId="{A31D264E-E285-4E5C-8EB7-762CD501BE72}" srcOrd="1" destOrd="0" presId="urn:microsoft.com/office/officeart/2005/8/layout/vProcess5"/>
+    <dgm:cxn modelId="{C2D0E194-BD14-4AD2-9E3A-CE984C34B6CD}" type="presOf" srcId="{CD7942A0-B7D2-4B14-8FEA-55FC702F5BE7}" destId="{1D84D8B6-AB32-4491-B5D2-EFE3D7668B88}" srcOrd="0" destOrd="0" presId="urn:microsoft.com/office/officeart/2005/8/layout/vProcess5"/>
+    <dgm:cxn modelId="{BB374C9D-646D-46E6-89B4-117F0E21BA34}" type="presOf" srcId="{8EC937D8-BD76-4A12-A3E5-900D5C1E2E05}" destId="{916C48CB-E452-4B79-A9B9-4C9A90B47960}" srcOrd="1" destOrd="0" presId="urn:microsoft.com/office/officeart/2005/8/layout/vProcess5"/>
+    <dgm:cxn modelId="{12FC7FDE-4033-4970-A683-61DE6FA84E89}" type="presOf" srcId="{8877691F-1B60-4485-9174-DDEC7EE68B70}" destId="{9CA877D8-99F8-40A0-89E9-59A61C9A70F4}" srcOrd="0" destOrd="0" presId="urn:microsoft.com/office/officeart/2005/8/layout/vProcess5"/>
     <dgm:cxn modelId="{D1A4D8E6-F04E-4AB1-8D0C-63DC7AB1E81F}" srcId="{CD7942A0-B7D2-4B14-8FEA-55FC702F5BE7}" destId="{095A5E99-E976-4550-8F80-53CC813F2F5A}" srcOrd="0" destOrd="0" parTransId="{03339A0D-5DC0-4B29-8353-C5AEBFD4DE86}" sibTransId="{8877691F-1B60-4485-9174-DDEC7EE68B70}"/>
     <dgm:cxn modelId="{7C007CEB-6418-4EA7-9CB6-5B93D0C655E6}" type="presOf" srcId="{095A5E99-E976-4550-8F80-53CC813F2F5A}" destId="{7A2F6994-DA87-4497-BFC7-DD9D6EC5315F}" srcOrd="1" destOrd="0" presId="urn:microsoft.com/office/officeart/2005/8/layout/vProcess5"/>
-    <dgm:cxn modelId="{5A89A138-BC1A-490F-935E-2EC3F74E8E18}" type="presOf" srcId="{7133ECF5-4190-4604-AA2F-03C9A0A9210F}" destId="{2AE92D3F-F0FA-45DD-BB60-4C6FBC6BC016}" srcOrd="0" destOrd="0" presId="urn:microsoft.com/office/officeart/2005/8/layout/vProcess5"/>
-    <dgm:cxn modelId="{C2D0E194-BD14-4AD2-9E3A-CE984C34B6CD}" type="presOf" srcId="{CD7942A0-B7D2-4B14-8FEA-55FC702F5BE7}" destId="{1D84D8B6-AB32-4491-B5D2-EFE3D7668B88}" srcOrd="0" destOrd="0" presId="urn:microsoft.com/office/officeart/2005/8/layout/vProcess5"/>
-    <dgm:cxn modelId="{011A9761-E983-4C7D-AB1D-2038261D8FF8}" srcId="{CD7942A0-B7D2-4B14-8FEA-55FC702F5BE7}" destId="{7133ECF5-4190-4604-AA2F-03C9A0A9210F}" srcOrd="2" destOrd="0" parTransId="{7D1B29D7-21DD-436A-8F7C-E87DE53C1431}" sibTransId="{46037378-034A-4662-877A-B53E1DA069A3}"/>
-    <dgm:cxn modelId="{12FC7FDE-4033-4970-A683-61DE6FA84E89}" type="presOf" srcId="{8877691F-1B60-4485-9174-DDEC7EE68B70}" destId="{9CA877D8-99F8-40A0-89E9-59A61C9A70F4}" srcOrd="0" destOrd="0" presId="urn:microsoft.com/office/officeart/2005/8/layout/vProcess5"/>
-    <dgm:cxn modelId="{03E7038C-2CC0-496B-88A0-60396CDC31E4}" type="presOf" srcId="{7133ECF5-4190-4604-AA2F-03C9A0A9210F}" destId="{A31D264E-E285-4E5C-8EB7-762CD501BE72}" srcOrd="1" destOrd="0" presId="urn:microsoft.com/office/officeart/2005/8/layout/vProcess5"/>
-    <dgm:cxn modelId="{A071614A-8A85-47B2-A113-0652CAB9B428}" type="presOf" srcId="{095A5E99-E976-4550-8F80-53CC813F2F5A}" destId="{124EF20B-D98C-45B2-BB13-7B93B5373CEB}" srcOrd="0" destOrd="0" presId="urn:microsoft.com/office/officeart/2005/8/layout/vProcess5"/>
-    <dgm:cxn modelId="{BB374C9D-646D-46E6-89B4-117F0E21BA34}" type="presOf" srcId="{8EC937D8-BD76-4A12-A3E5-900D5C1E2E05}" destId="{916C48CB-E452-4B79-A9B9-4C9A90B47960}" srcOrd="1" destOrd="0" presId="urn:microsoft.com/office/officeart/2005/8/layout/vProcess5"/>
-    <dgm:cxn modelId="{8A063A46-8F8D-405A-B2D6-6495FA638F46}" type="presOf" srcId="{8EC937D8-BD76-4A12-A3E5-900D5C1E2E05}" destId="{CA544AF7-F7B2-4CA5-9251-B4CDB8D06634}" srcOrd="0" destOrd="0" presId="urn:microsoft.com/office/officeart/2005/8/layout/vProcess5"/>
-    <dgm:cxn modelId="{43DC8383-AEE5-490C-A8E5-1F216F2B8FE6}" srcId="{CD7942A0-B7D2-4B14-8FEA-55FC702F5BE7}" destId="{8EC937D8-BD76-4A12-A3E5-900D5C1E2E05}" srcOrd="1" destOrd="0" parTransId="{8265EE85-9851-494E-A6D3-1CDACE947DF3}" sibTransId="{B3EFD4A5-9FA1-4ABE-B722-05162509509B}"/>
+    <dgm:cxn modelId="{6CF7D6F9-A5F2-48E3-AF5C-A2074559AE21}" type="presOf" srcId="{B3EFD4A5-9FA1-4ABE-B722-05162509509B}" destId="{62643EF2-016C-41F1-8CBC-398422A85727}" srcOrd="0" destOrd="0" presId="urn:microsoft.com/office/officeart/2005/8/layout/vProcess5"/>
     <dgm:cxn modelId="{768DB908-A4BF-48A6-A740-5DD0CBAFBB11}" type="presParOf" srcId="{1D84D8B6-AB32-4491-B5D2-EFE3D7668B88}" destId="{3E0E8213-E460-4EB7-9A92-C2B1CC553F0D}" srcOrd="0" destOrd="0" presId="urn:microsoft.com/office/officeart/2005/8/layout/vProcess5"/>
     <dgm:cxn modelId="{A8B17D3B-E670-4FE0-A845-244C702B8151}" type="presParOf" srcId="{1D84D8B6-AB32-4491-B5D2-EFE3D7668B88}" destId="{124EF20B-D98C-45B2-BB13-7B93B5373CEB}" srcOrd="1" destOrd="0" presId="urn:microsoft.com/office/officeart/2005/8/layout/vProcess5"/>
     <dgm:cxn modelId="{1E8E2D8B-A980-4080-A16E-1F74528DE4D0}" type="presParOf" srcId="{1D84D8B6-AB32-4491-B5D2-EFE3D7668B88}" destId="{CA544AF7-F7B2-4CA5-9251-B4CDB8D06634}" srcOrd="2" destOrd="0" presId="urn:microsoft.com/office/officeart/2005/8/layout/vProcess5"/>
@@ -1458,7 +1391,7 @@
   <dgm:whole/>
   <dgm:extLst>
     <a:ext uri="http://schemas.microsoft.com/office/drawing/2008/diagram">
-      <dsp:dataModelExt xmlns="" xmlns:dsp="http://schemas.microsoft.com/office/drawing/2008/diagram" relId="rId7" minVer="http://schemas.openxmlformats.org/drawingml/2006/diagram"/>
+      <dsp:dataModelExt xmlns:dsp="http://schemas.microsoft.com/office/drawing/2008/diagram" relId="rId7" minVer="http://schemas.openxmlformats.org/drawingml/2006/diagram"/>
     </a:ext>
   </dgm:extLst>
 </dgm:dataModel>
@@ -1530,12 +1463,12 @@
         </a:fontRef>
       </dsp:style>
       <dsp:txBody>
-        <a:bodyPr spcFirstLastPara="0" vert="horz" wrap="square" lIns="171450" tIns="171450" rIns="171450" bIns="171450" numCol="1" spcCol="1270" rtlCol="0" anchor="ctr" anchorCtr="0">
+        <a:bodyPr spcFirstLastPara="0" vert="horz" wrap="square" lIns="99060" tIns="99060" rIns="99060" bIns="99060" numCol="1" spcCol="1270" rtlCol="0" anchor="ctr" anchorCtr="0">
           <a:noAutofit/>
         </a:bodyPr>
         <a:lstStyle/>
         <a:p>
-          <a:pPr marL="0" lvl="0" indent="0" algn="l" defTabSz="2000250" rtl="0">
+          <a:pPr marL="0" lvl="0" indent="0" algn="l" defTabSz="1155700" rtl="0">
             <a:lnSpc>
               <a:spcPct val="90000"/>
             </a:lnSpc>
@@ -1548,19 +1481,23 @@
             <a:buNone/>
           </a:pPr>
           <a:r>
-            <a:rPr lang="zh-CN" altLang="en-US" sz="4500" kern="1200" noProof="0" dirty="0">
+            <a:rPr lang="zh-CN" altLang="en-US" sz="2600" kern="1200" noProof="0">
               <a:latin typeface="微软雅黑" panose="020B0503020204020204" pitchFamily="34" charset="-122"/>
               <a:ea typeface="微软雅黑" panose="020B0503020204020204" pitchFamily="34" charset="-122"/>
             </a:rPr>
-            <a:t>任务 </a:t>
+            <a:t>前端：</a:t>
           </a:r>
           <a:r>
-            <a:rPr lang="en-US" altLang="zh-CN" sz="4500" kern="1200" noProof="0" dirty="0">
+            <a:rPr lang="en-US" altLang="zh-CN" sz="2600" kern="1200" noProof="0">
               <a:latin typeface="微软雅黑" panose="020B0503020204020204" pitchFamily="34" charset="-122"/>
               <a:ea typeface="微软雅黑" panose="020B0503020204020204" pitchFamily="34" charset="-122"/>
             </a:rPr>
-            <a:t>1</a:t>
+            <a:t>8080</a:t>
           </a:r>
+          <a:endParaRPr lang="en-US" altLang="zh-CN" sz="2600" kern="1200" noProof="0" dirty="0">
+            <a:latin typeface="微软雅黑" panose="020B0503020204020204" pitchFamily="34" charset="-122"/>
+            <a:ea typeface="微软雅黑" panose="020B0503020204020204" pitchFamily="34" charset="-122"/>
+          </a:endParaRPr>
         </a:p>
       </dsp:txBody>
       <dsp:txXfrm>
@@ -1656,12 +1593,12 @@
         </a:fontRef>
       </dsp:style>
       <dsp:txBody>
-        <a:bodyPr spcFirstLastPara="0" vert="horz" wrap="square" lIns="171450" tIns="171450" rIns="171450" bIns="171450" numCol="1" spcCol="1270" rtlCol="0" anchor="ctr" anchorCtr="0">
+        <a:bodyPr spcFirstLastPara="0" vert="horz" wrap="square" lIns="99060" tIns="99060" rIns="99060" bIns="99060" numCol="1" spcCol="1270" rtlCol="0" anchor="ctr" anchorCtr="0">
           <a:noAutofit/>
         </a:bodyPr>
         <a:lstStyle/>
         <a:p>
-          <a:pPr marL="0" lvl="0" indent="0" algn="l" defTabSz="2000250" rtl="0">
+          <a:pPr marL="0" lvl="0" indent="0" algn="l" defTabSz="1155700" rtl="0">
             <a:lnSpc>
               <a:spcPct val="90000"/>
             </a:lnSpc>
@@ -1674,19 +1611,23 @@
             <a:buNone/>
           </a:pPr>
           <a:r>
-            <a:rPr lang="zh-CN" altLang="en-US" sz="4500" kern="1200" noProof="0" dirty="0">
+            <a:rPr lang="zh-CN" altLang="en-US" sz="2600" kern="1200" noProof="0">
               <a:latin typeface="微软雅黑" panose="020B0503020204020204" pitchFamily="34" charset="-122"/>
               <a:ea typeface="微软雅黑" panose="020B0503020204020204" pitchFamily="34" charset="-122"/>
             </a:rPr>
-            <a:t>任务 </a:t>
+            <a:t>图片服务器：</a:t>
           </a:r>
           <a:r>
-            <a:rPr lang="en-US" altLang="zh-CN" sz="4500" kern="1200" noProof="0" dirty="0">
+            <a:rPr lang="en-US" altLang="zh-CN" sz="2600" kern="1200" noProof="0">
               <a:latin typeface="微软雅黑" panose="020B0503020204020204" pitchFamily="34" charset="-122"/>
               <a:ea typeface="微软雅黑" panose="020B0503020204020204" pitchFamily="34" charset="-122"/>
             </a:rPr>
-            <a:t>2</a:t>
+            <a:t>8000</a:t>
           </a:r>
+          <a:endParaRPr lang="en-US" altLang="zh-CN" sz="2600" kern="1200" noProof="0" dirty="0">
+            <a:latin typeface="微软雅黑" panose="020B0503020204020204" pitchFamily="34" charset="-122"/>
+            <a:ea typeface="微软雅黑" panose="020B0503020204020204" pitchFamily="34" charset="-122"/>
+          </a:endParaRPr>
         </a:p>
       </dsp:txBody>
       <dsp:txXfrm>
@@ -1760,12 +1701,12 @@
         </a:fontRef>
       </dsp:style>
       <dsp:txBody>
-        <a:bodyPr spcFirstLastPara="0" vert="horz" wrap="square" lIns="171450" tIns="171450" rIns="171450" bIns="171450" numCol="1" spcCol="1270" rtlCol="0" anchor="ctr" anchorCtr="0">
+        <a:bodyPr spcFirstLastPara="0" vert="horz" wrap="square" lIns="99060" tIns="99060" rIns="99060" bIns="99060" numCol="1" spcCol="1270" rtlCol="0" anchor="ctr" anchorCtr="0">
           <a:noAutofit/>
         </a:bodyPr>
         <a:lstStyle/>
         <a:p>
-          <a:pPr marL="0" lvl="0" indent="0" algn="l" defTabSz="2000250" rtl="0">
+          <a:pPr marL="0" lvl="0" indent="0" algn="l" defTabSz="1155700" rtl="0">
             <a:lnSpc>
               <a:spcPct val="90000"/>
             </a:lnSpc>
@@ -1778,18 +1719,18 @@
             <a:buNone/>
           </a:pPr>
           <a:r>
-            <a:rPr lang="zh-CN" altLang="en-US" sz="4500" kern="1200" noProof="0" dirty="0">
+            <a:rPr lang="zh-CN" altLang="en-US" sz="2600" kern="1200" noProof="0" dirty="0">
               <a:latin typeface="微软雅黑" panose="020B0503020204020204" pitchFamily="34" charset="-122"/>
               <a:ea typeface="微软雅黑" panose="020B0503020204020204" pitchFamily="34" charset="-122"/>
             </a:rPr>
-            <a:t>任务 </a:t>
+            <a:t>后台： </a:t>
           </a:r>
           <a:r>
-            <a:rPr lang="en-US" altLang="zh-CN" sz="4500" kern="1200" noProof="0" dirty="0">
+            <a:rPr lang="en-US" altLang="zh-CN" sz="2600" kern="1200" noProof="0" dirty="0">
               <a:latin typeface="微软雅黑" panose="020B0503020204020204" pitchFamily="34" charset="-122"/>
               <a:ea typeface="微软雅黑" panose="020B0503020204020204" pitchFamily="34" charset="-122"/>
             </a:rPr>
-            <a:t>3</a:t>
+            <a:t>8088</a:t>
           </a:r>
         </a:p>
       </dsp:txBody>
@@ -1883,7 +1824,7 @@
         <dsp:cNvSpPr/>
       </dsp:nvSpPr>
       <dsp:spPr>
-        <a:xfrm>
+        <a:xfrm rot="10800000">
           <a:off x="3826731" y="2569974"/>
           <a:ext cx="870799" cy="870799"/>
         </a:xfrm>
@@ -1952,7 +1893,7 @@
         </a:p>
       </dsp:txBody>
       <dsp:txXfrm>
-        <a:off x="4022661" y="2569974"/>
+        <a:off x="4022661" y="2785497"/>
         <a:ext cx="478939" cy="655276"/>
       </dsp:txXfrm>
     </dsp:sp>
@@ -4311,7 +4252,7 @@
                 <a:ea typeface="微软雅黑" panose="020B0503020204020204" pitchFamily="34" charset="-122"/>
               </a:rPr>
               <a:pPr algn="r" rtl="0"/>
-              <a:t>2019/1/9</a:t>
+              <a:t>2019/5/25</a:t>
             </a:fld>
             <a:endParaRPr lang="zh-CN" altLang="en-US" dirty="0">
               <a:latin typeface="微软雅黑" panose="020B0503020204020204" pitchFamily="34" charset="-122"/>
@@ -4588,7 +4529,7 @@
                 <a:ea typeface="微软雅黑" panose="020B0503020204020204" pitchFamily="34" charset="-122"/>
               </a:rPr>
               <a:pPr algn="r" rtl="0"/>
-              <a:t>2019/1/9</a:t>
+              <a:t>2019/5/25</a:t>
             </a:fld>
             <a:endParaRPr lang="zh-CN" altLang="en-US" dirty="0">
               <a:latin typeface="微软雅黑" panose="020B0503020204020204" pitchFamily="34" charset="-122"/>
@@ -6029,7 +5970,7 @@
             <a:fld id="{A0F08F57-8AF4-4192-8C0E-F86A12100C7B}" type="datetime1">
               <a:rPr lang="zh-CN" altLang="en-US" smtClean="0"/>
               <a:pPr/>
-              <a:t>2019/1/9</a:t>
+              <a:t>2019/5/25</a:t>
             </a:fld>
             <a:endParaRPr lang="zh-CN" altLang="en-US" dirty="0"/>
           </a:p>
@@ -6097,13 +6038,13 @@
   <p:clrMapOvr>
     <a:masterClrMapping/>
   </p:clrMapOvr>
-  <mc:AlternateContent xmlns:mc="http://schemas.openxmlformats.org/markup-compatibility/2006">
-    <mc:Choice xmlns="" xmlns:p14="http://schemas.microsoft.com/office/powerpoint/2010/main" Requires="p14">
+  <mc:AlternateContent xmlns:mc="http://schemas.openxmlformats.org/markup-compatibility/2006" xmlns:p14="http://schemas.microsoft.com/office/powerpoint/2010/main">
+    <mc:Choice Requires="p14">
       <p:transition spd="med" p14:dur="700">
         <p:fade/>
       </p:transition>
     </mc:Choice>
-    <mc:Fallback>
+    <mc:Fallback xmlns="">
       <p:transition spd="med">
         <p:fade/>
       </p:transition>
@@ -6239,7 +6180,7 @@
             <a:fld id="{A0F08F57-8AF4-4192-8C0E-F86A12100C7B}" type="datetime1">
               <a:rPr lang="zh-CN" altLang="en-US" smtClean="0"/>
               <a:pPr/>
-              <a:t>2019/1/9</a:t>
+              <a:t>2019/5/25</a:t>
             </a:fld>
             <a:endParaRPr lang="zh-CN" altLang="en-US" dirty="0"/>
           </a:p>
@@ -6295,13 +6236,13 @@
   <p:clrMapOvr>
     <a:masterClrMapping/>
   </p:clrMapOvr>
-  <mc:AlternateContent xmlns:mc="http://schemas.openxmlformats.org/markup-compatibility/2006">
-    <mc:Choice xmlns="" xmlns:p14="http://schemas.microsoft.com/office/powerpoint/2010/main" Requires="p14">
+  <mc:AlternateContent xmlns:mc="http://schemas.openxmlformats.org/markup-compatibility/2006" xmlns:p14="http://schemas.microsoft.com/office/powerpoint/2010/main">
+    <mc:Choice Requires="p14">
       <p:transition spd="med" p14:dur="700">
         <p:fade/>
       </p:transition>
     </mc:Choice>
-    <mc:Fallback>
+    <mc:Fallback xmlns="">
       <p:transition spd="med">
         <p:fade/>
       </p:transition>
@@ -6447,7 +6388,7 @@
             <a:fld id="{A0F08F57-8AF4-4192-8C0E-F86A12100C7B}" type="datetime1">
               <a:rPr lang="zh-CN" altLang="en-US" smtClean="0"/>
               <a:pPr/>
-              <a:t>2019/1/9</a:t>
+              <a:t>2019/5/25</a:t>
             </a:fld>
             <a:endParaRPr lang="zh-CN" altLang="en-US" dirty="0"/>
           </a:p>
@@ -6503,13 +6444,13 @@
   <p:clrMapOvr>
     <a:masterClrMapping/>
   </p:clrMapOvr>
-  <mc:AlternateContent xmlns:mc="http://schemas.openxmlformats.org/markup-compatibility/2006">
-    <mc:Choice xmlns="" xmlns:p14="http://schemas.microsoft.com/office/powerpoint/2010/main" Requires="p14">
+  <mc:AlternateContent xmlns:mc="http://schemas.openxmlformats.org/markup-compatibility/2006" xmlns:p14="http://schemas.microsoft.com/office/powerpoint/2010/main">
+    <mc:Choice Requires="p14">
       <p:transition spd="med" p14:dur="700">
         <p:fade/>
       </p:transition>
     </mc:Choice>
-    <mc:Fallback>
+    <mc:Fallback xmlns="">
       <p:transition spd="med">
         <p:fade/>
       </p:transition>
@@ -6645,7 +6586,7 @@
             <a:fld id="{A0F08F57-8AF4-4192-8C0E-F86A12100C7B}" type="datetime1">
               <a:rPr lang="zh-CN" altLang="en-US" smtClean="0"/>
               <a:pPr/>
-              <a:t>2019/1/9</a:t>
+              <a:t>2019/5/25</a:t>
             </a:fld>
             <a:endParaRPr lang="zh-CN" altLang="en-US" dirty="0"/>
           </a:p>
@@ -6701,13 +6642,13 @@
   <p:clrMapOvr>
     <a:masterClrMapping/>
   </p:clrMapOvr>
-  <mc:AlternateContent xmlns:mc="http://schemas.openxmlformats.org/markup-compatibility/2006">
-    <mc:Choice xmlns="" xmlns:p14="http://schemas.microsoft.com/office/powerpoint/2010/main" Requires="p14">
+  <mc:AlternateContent xmlns:mc="http://schemas.openxmlformats.org/markup-compatibility/2006" xmlns:p14="http://schemas.microsoft.com/office/powerpoint/2010/main">
+    <mc:Choice Requires="p14">
       <p:transition spd="med" p14:dur="700">
         <p:fade/>
       </p:transition>
     </mc:Choice>
-    <mc:Fallback>
+    <mc:Fallback xmlns="">
       <p:transition spd="med">
         <p:fade/>
       </p:transition>
@@ -7077,7 +7018,7 @@
             <a:fld id="{A0F08F57-8AF4-4192-8C0E-F86A12100C7B}" type="datetime1">
               <a:rPr lang="zh-CN" altLang="en-US" smtClean="0"/>
               <a:pPr/>
-              <a:t>2019/1/9</a:t>
+              <a:t>2019/5/25</a:t>
             </a:fld>
             <a:endParaRPr lang="zh-CN" altLang="en-US" dirty="0"/>
           </a:p>
@@ -7133,13 +7074,13 @@
   <p:clrMapOvr>
     <a:masterClrMapping/>
   </p:clrMapOvr>
-  <mc:AlternateContent xmlns:mc="http://schemas.openxmlformats.org/markup-compatibility/2006">
-    <mc:Choice xmlns="" xmlns:p14="http://schemas.microsoft.com/office/powerpoint/2010/main" Requires="p14">
+  <mc:AlternateContent xmlns:mc="http://schemas.openxmlformats.org/markup-compatibility/2006" xmlns:p14="http://schemas.microsoft.com/office/powerpoint/2010/main">
+    <mc:Choice Requires="p14">
       <p:transition spd="med" p14:dur="700">
         <p:fade/>
       </p:transition>
     </mc:Choice>
-    <mc:Fallback>
+    <mc:Fallback xmlns="">
       <p:transition spd="med">
         <p:fade/>
       </p:transition>
@@ -7381,7 +7322,7 @@
             <a:fld id="{A0F08F57-8AF4-4192-8C0E-F86A12100C7B}" type="datetime1">
               <a:rPr lang="zh-CN" altLang="en-US" smtClean="0"/>
               <a:pPr/>
-              <a:t>2019/1/9</a:t>
+              <a:t>2019/5/25</a:t>
             </a:fld>
             <a:endParaRPr lang="zh-CN" altLang="en-US" dirty="0"/>
           </a:p>
@@ -7437,13 +7378,13 @@
   <p:clrMapOvr>
     <a:masterClrMapping/>
   </p:clrMapOvr>
-  <mc:AlternateContent xmlns:mc="http://schemas.openxmlformats.org/markup-compatibility/2006">
-    <mc:Choice xmlns="" xmlns:p14="http://schemas.microsoft.com/office/powerpoint/2010/main" Requires="p14">
+  <mc:AlternateContent xmlns:mc="http://schemas.openxmlformats.org/markup-compatibility/2006" xmlns:p14="http://schemas.microsoft.com/office/powerpoint/2010/main">
+    <mc:Choice Requires="p14">
       <p:transition spd="med" p14:dur="700">
         <p:fade/>
       </p:transition>
     </mc:Choice>
-    <mc:Fallback>
+    <mc:Fallback xmlns="">
       <p:transition spd="med">
         <p:fade/>
       </p:transition>
@@ -7837,7 +7778,7 @@
             <a:fld id="{A0F08F57-8AF4-4192-8C0E-F86A12100C7B}" type="datetime1">
               <a:rPr lang="zh-CN" altLang="en-US" smtClean="0"/>
               <a:pPr/>
-              <a:t>2019/1/9</a:t>
+              <a:t>2019/5/25</a:t>
             </a:fld>
             <a:endParaRPr lang="zh-CN" altLang="en-US" dirty="0"/>
           </a:p>
@@ -7893,13 +7834,13 @@
   <p:clrMapOvr>
     <a:masterClrMapping/>
   </p:clrMapOvr>
-  <mc:AlternateContent xmlns:mc="http://schemas.openxmlformats.org/markup-compatibility/2006">
-    <mc:Choice xmlns="" xmlns:p14="http://schemas.microsoft.com/office/powerpoint/2010/main" Requires="p14">
+  <mc:AlternateContent xmlns:mc="http://schemas.openxmlformats.org/markup-compatibility/2006" xmlns:p14="http://schemas.microsoft.com/office/powerpoint/2010/main">
+    <mc:Choice Requires="p14">
       <p:transition spd="med" p14:dur="700">
         <p:fade/>
       </p:transition>
     </mc:Choice>
-    <mc:Fallback>
+    <mc:Fallback xmlns="">
       <p:transition spd="med">
         <p:fade/>
       </p:transition>
@@ -7967,7 +7908,7 @@
             <a:fld id="{A0F08F57-8AF4-4192-8C0E-F86A12100C7B}" type="datetime1">
               <a:rPr lang="zh-CN" altLang="en-US" smtClean="0"/>
               <a:pPr/>
-              <a:t>2019/1/9</a:t>
+              <a:t>2019/5/25</a:t>
             </a:fld>
             <a:endParaRPr lang="zh-CN" altLang="en-US" dirty="0"/>
           </a:p>
@@ -8023,13 +7964,13 @@
   <p:clrMapOvr>
     <a:masterClrMapping/>
   </p:clrMapOvr>
-  <mc:AlternateContent xmlns:mc="http://schemas.openxmlformats.org/markup-compatibility/2006">
-    <mc:Choice xmlns="" xmlns:p14="http://schemas.microsoft.com/office/powerpoint/2010/main" Requires="p14">
+  <mc:AlternateContent xmlns:mc="http://schemas.openxmlformats.org/markup-compatibility/2006" xmlns:p14="http://schemas.microsoft.com/office/powerpoint/2010/main">
+    <mc:Choice Requires="p14">
       <p:transition spd="med" p14:dur="700">
         <p:fade/>
       </p:transition>
     </mc:Choice>
-    <mc:Fallback>
+    <mc:Fallback xmlns="">
       <p:transition spd="med">
         <p:fade/>
       </p:transition>
@@ -8073,7 +8014,7 @@
             <a:fld id="{A0F08F57-8AF4-4192-8C0E-F86A12100C7B}" type="datetime1">
               <a:rPr lang="zh-CN" altLang="en-US" smtClean="0"/>
               <a:pPr/>
-              <a:t>2019/1/9</a:t>
+              <a:t>2019/5/25</a:t>
             </a:fld>
             <a:endParaRPr lang="zh-CN" altLang="en-US" dirty="0"/>
           </a:p>
@@ -8129,13 +8070,13 @@
   <p:clrMapOvr>
     <a:masterClrMapping/>
   </p:clrMapOvr>
-  <mc:AlternateContent xmlns:mc="http://schemas.openxmlformats.org/markup-compatibility/2006">
-    <mc:Choice xmlns="" xmlns:p14="http://schemas.microsoft.com/office/powerpoint/2010/main" Requires="p14">
+  <mc:AlternateContent xmlns:mc="http://schemas.openxmlformats.org/markup-compatibility/2006" xmlns:p14="http://schemas.microsoft.com/office/powerpoint/2010/main">
+    <mc:Choice Requires="p14">
       <p:transition spd="med" p14:dur="700">
         <p:fade/>
       </p:transition>
     </mc:Choice>
-    <mc:Fallback>
+    <mc:Fallback xmlns="">
       <p:transition spd="med">
         <p:fade/>
       </p:transition>
@@ -8372,7 +8313,7 @@
             <a:fld id="{A0F08F57-8AF4-4192-8C0E-F86A12100C7B}" type="datetime1">
               <a:rPr lang="zh-CN" altLang="en-US" smtClean="0"/>
               <a:pPr/>
-              <a:t>2019/1/9</a:t>
+              <a:t>2019/5/25</a:t>
             </a:fld>
             <a:endParaRPr lang="zh-CN" altLang="en-US" dirty="0"/>
           </a:p>
@@ -8428,13 +8369,13 @@
   <p:clrMapOvr>
     <a:masterClrMapping/>
   </p:clrMapOvr>
-  <mc:AlternateContent xmlns:mc="http://schemas.openxmlformats.org/markup-compatibility/2006">
-    <mc:Choice xmlns="" xmlns:p14="http://schemas.microsoft.com/office/powerpoint/2010/main" Requires="p14">
+  <mc:AlternateContent xmlns:mc="http://schemas.openxmlformats.org/markup-compatibility/2006" xmlns:p14="http://schemas.microsoft.com/office/powerpoint/2010/main">
+    <mc:Choice Requires="p14">
       <p:transition spd="med" p14:dur="700">
         <p:fade/>
       </p:transition>
     </mc:Choice>
-    <mc:Fallback>
+    <mc:Fallback xmlns="">
       <p:transition spd="med">
         <p:fade/>
       </p:transition>
@@ -8661,7 +8602,7 @@
             <a:fld id="{A0F08F57-8AF4-4192-8C0E-F86A12100C7B}" type="datetime1">
               <a:rPr lang="zh-CN" altLang="en-US" smtClean="0"/>
               <a:pPr/>
-              <a:t>2019/1/9</a:t>
+              <a:t>2019/5/25</a:t>
             </a:fld>
             <a:endParaRPr lang="zh-CN" altLang="en-US" dirty="0"/>
           </a:p>
@@ -8717,13 +8658,13 @@
   <p:clrMapOvr>
     <a:masterClrMapping/>
   </p:clrMapOvr>
-  <mc:AlternateContent xmlns:mc="http://schemas.openxmlformats.org/markup-compatibility/2006">
-    <mc:Choice xmlns="" xmlns:p14="http://schemas.microsoft.com/office/powerpoint/2010/main" Requires="p14">
+  <mc:AlternateContent xmlns:mc="http://schemas.openxmlformats.org/markup-compatibility/2006" xmlns:p14="http://schemas.microsoft.com/office/powerpoint/2010/main">
+    <mc:Choice Requires="p14">
       <p:transition spd="med" p14:dur="700">
         <p:fade/>
       </p:transition>
     </mc:Choice>
-    <mc:Fallback>
+    <mc:Fallback xmlns="">
       <p:transition spd="med">
         <p:fade/>
       </p:transition>
@@ -9292,7 +9233,7 @@
             <a:fld id="{A0F08F57-8AF4-4192-8C0E-F86A12100C7B}" type="datetime1">
               <a:rPr lang="zh-CN" altLang="en-US" smtClean="0"/>
               <a:pPr/>
-              <a:t>2019/1/9</a:t>
+              <a:t>2019/5/25</a:t>
             </a:fld>
             <a:endParaRPr lang="zh-CN" altLang="en-US" dirty="0"/>
           </a:p>
@@ -9397,13 +9338,13 @@
     <p:sldLayoutId id="2147483658" r:id="rId10"/>
     <p:sldLayoutId id="2147483659" r:id="rId11"/>
   </p:sldLayoutIdLst>
-  <mc:AlternateContent xmlns:mc="http://schemas.openxmlformats.org/markup-compatibility/2006">
-    <mc:Choice xmlns="" xmlns:p14="http://schemas.microsoft.com/office/powerpoint/2010/main" Requires="p14">
+  <mc:AlternateContent xmlns:mc="http://schemas.openxmlformats.org/markup-compatibility/2006" xmlns:p14="http://schemas.microsoft.com/office/powerpoint/2010/main">
+    <mc:Choice Requires="p14">
       <p:transition spd="med" p14:dur="700">
         <p:fade/>
       </p:transition>
     </mc:Choice>
-    <mc:Fallback>
+    <mc:Fallback xmlns="">
       <p:transition spd="med">
         <p:fade/>
       </p:transition>
@@ -9767,7 +9708,7 @@
           <a:p>
             <a:pPr algn="ctr" rtl="0"/>
             <a:r>
-              <a:rPr lang="zh-CN" altLang="en-US" sz="7200" smtClean="0">
+              <a:rPr lang="zh-CN" altLang="en-US" sz="7200">
                 <a:latin typeface="Salesforce Sans"/>
                 <a:sym typeface="Salesforce Sans"/>
               </a:rPr>
@@ -9799,7 +9740,7 @@
           <a:lstStyle/>
           <a:p>
             <a:r>
-              <a:rPr lang="en-US" altLang="zh-CN" cap="none" smtClean="0">
+              <a:rPr lang="en-US" altLang="zh-CN" cap="none">
                 <a:latin typeface="Verdana" pitchFamily="34" charset="0"/>
                 <a:cs typeface="Verdana" pitchFamily="34" charset="0"/>
                 <a:sym typeface="Salesforce Sans"/>
@@ -9819,25 +9760,18 @@
   <p:clrMapOvr>
     <a:masterClrMapping/>
   </p:clrMapOvr>
-  <mc:AlternateContent xmlns:mc="http://schemas.openxmlformats.org/markup-compatibility/2006">
-    <mc:Choice xmlns="" xmlns:p14="http://schemas.microsoft.com/office/powerpoint/2010/main" Requires="p14">
+  <mc:AlternateContent xmlns:mc="http://schemas.openxmlformats.org/markup-compatibility/2006" xmlns:p14="http://schemas.microsoft.com/office/powerpoint/2010/main">
+    <mc:Choice Requires="p14">
       <p:transition spd="med" p14:dur="700">
         <p:fade/>
       </p:transition>
     </mc:Choice>
-    <mc:Fallback>
+    <mc:Fallback xmlns="">
       <p:transition spd="med">
         <p:fade/>
       </p:transition>
     </mc:Fallback>
   </mc:AlternateContent>
-  <p:timing>
-    <p:tnLst>
-      <p:par>
-        <p:cTn id="1" dur="indefinite" restart="never" nodeType="tmRoot"/>
-      </p:par>
-    </p:tnLst>
-  </p:timing>
 </p:sld>
 </file>
 
@@ -9903,25 +9837,18 @@
   <p:clrMapOvr>
     <a:masterClrMapping/>
   </p:clrMapOvr>
-  <mc:AlternateContent xmlns:mc="http://schemas.openxmlformats.org/markup-compatibility/2006">
-    <mc:Choice xmlns="" xmlns:p14="http://schemas.microsoft.com/office/powerpoint/2010/main" Requires="p14">
+  <mc:AlternateContent xmlns:mc="http://schemas.openxmlformats.org/markup-compatibility/2006" xmlns:p14="http://schemas.microsoft.com/office/powerpoint/2010/main">
+    <mc:Choice Requires="p14">
       <p:transition spd="med" p14:dur="700">
         <p:fade/>
       </p:transition>
     </mc:Choice>
-    <mc:Fallback>
+    <mc:Fallback xmlns="">
       <p:transition spd="med">
         <p:fade/>
       </p:transition>
     </mc:Fallback>
   </mc:AlternateContent>
-  <p:timing>
-    <p:tnLst>
-      <p:par>
-        <p:cTn id="1" dur="indefinite" restart="never" nodeType="tmRoot"/>
-      </p:par>
-    </p:tnLst>
-  </p:timing>
 </p:sld>
 </file>
 
@@ -9993,7 +9920,7 @@
           <a:p>
             <a:pPr rtl="0"/>
             <a:r>
-              <a:rPr lang="en-US" altLang="zh-CN" smtClean="0">
+              <a:rPr lang="en-US" altLang="zh-CN">
                 <a:latin typeface="Salesforce Sans"/>
                 <a:ea typeface="微软雅黑" panose="020B0503020204020204" pitchFamily="34" charset="-122"/>
                 <a:sym typeface="Salesforce Sans"/>
@@ -10001,21 +9928,14 @@
               <a:t>1      </a:t>
             </a:r>
             <a:r>
-              <a:rPr lang="zh-CN" altLang="en-US" smtClean="0">
+              <a:rPr lang="zh-CN" altLang="en-US">
                 <a:latin typeface="Salesforce Sans"/>
                 <a:sym typeface="Salesforce Sans"/>
               </a:rPr>
-              <a:t>葛云</a:t>
-            </a:r>
-            <a:r>
-              <a:rPr lang="zh-CN" altLang="en-US" smtClean="0">
-                <a:latin typeface="Salesforce Sans"/>
-                <a:sym typeface="Salesforce Sans"/>
-              </a:rPr>
-              <a:t>浩  </a:t>
-            </a:r>
-            <a:r>
-              <a:rPr lang="en-US" altLang="zh-CN" smtClean="0">
+              <a:t>葛云浩  </a:t>
+            </a:r>
+            <a:r>
+              <a:rPr lang="en-US" altLang="zh-CN">
                 <a:latin typeface="Salesforce Sans"/>
                 <a:sym typeface="Salesforce Sans"/>
               </a:rPr>
@@ -10030,7 +9950,7 @@
           <a:p>
             <a:pPr rtl="0"/>
             <a:r>
-              <a:rPr lang="en-US" altLang="zh-CN" smtClean="0">
+              <a:rPr lang="en-US" altLang="zh-CN">
                 <a:latin typeface="Salesforce Sans"/>
                 <a:ea typeface="微软雅黑" panose="020B0503020204020204" pitchFamily="34" charset="-122"/>
                 <a:sym typeface="Salesforce Sans"/>
@@ -10038,21 +9958,14 @@
               <a:t>2      </a:t>
             </a:r>
             <a:r>
-              <a:rPr lang="zh-CN" altLang="en-US" smtClean="0">
+              <a:rPr lang="zh-CN" altLang="en-US">
                 <a:latin typeface="Salesforce Sans"/>
                 <a:sym typeface="Salesforce Sans"/>
               </a:rPr>
-              <a:t>吕</a:t>
-            </a:r>
-            <a:r>
-              <a:rPr lang="zh-CN" altLang="en-US" smtClean="0">
-                <a:latin typeface="Salesforce Sans"/>
-                <a:sym typeface="Salesforce Sans"/>
-              </a:rPr>
-              <a:t>彤  </a:t>
-            </a:r>
-            <a:r>
-              <a:rPr lang="en-US" altLang="zh-CN" smtClean="0">
+              <a:t>吕彤  </a:t>
+            </a:r>
+            <a:r>
+              <a:rPr lang="en-US" altLang="zh-CN">
                 <a:latin typeface="Salesforce Sans"/>
                 <a:sym typeface="Salesforce Sans"/>
               </a:rPr>
@@ -10067,7 +9980,7 @@
           <a:p>
             <a:pPr rtl="0"/>
             <a:r>
-              <a:rPr lang="en-US" altLang="zh-CN" smtClean="0">
+              <a:rPr lang="en-US" altLang="zh-CN">
                 <a:latin typeface="Salesforce Sans"/>
                 <a:ea typeface="微软雅黑" panose="020B0503020204020204" pitchFamily="34" charset="-122"/>
                 <a:sym typeface="Salesforce Sans"/>
@@ -10075,23 +9988,15 @@
               <a:t>3      </a:t>
             </a:r>
             <a:r>
-              <a:rPr lang="zh-CN" altLang="en-US" smtClean="0">
+              <a:rPr lang="zh-CN" altLang="en-US">
                 <a:latin typeface="Salesforce Sans"/>
                 <a:ea typeface="微软雅黑" panose="020B0503020204020204" pitchFamily="34" charset="-122"/>
                 <a:sym typeface="Salesforce Sans"/>
               </a:rPr>
-              <a:t>王</a:t>
-            </a:r>
-            <a:r>
-              <a:rPr lang="zh-CN" altLang="en-US" smtClean="0">
-                <a:latin typeface="Salesforce Sans"/>
-                <a:ea typeface="微软雅黑" panose="020B0503020204020204" pitchFamily="34" charset="-122"/>
-                <a:sym typeface="Salesforce Sans"/>
-              </a:rPr>
-              <a:t>义  </a:t>
-            </a:r>
-            <a:r>
-              <a:rPr lang="en-US" altLang="zh-CN" smtClean="0">
+              <a:t>王义  </a:t>
+            </a:r>
+            <a:r>
+              <a:rPr lang="en-US" altLang="zh-CN">
                 <a:latin typeface="Salesforce Sans"/>
                 <a:ea typeface="微软雅黑" panose="020B0503020204020204" pitchFamily="34" charset="-122"/>
                 <a:sym typeface="Salesforce Sans"/>
@@ -10107,28 +10012,21 @@
           <a:p>
             <a:pPr rtl="0"/>
             <a:r>
-              <a:rPr lang="en-US" altLang="zh-CN" smtClean="0">
+              <a:rPr lang="en-US" altLang="zh-CN">
                 <a:latin typeface="Salesforce Sans"/>
                 <a:sym typeface="Salesforce Sans"/>
               </a:rPr>
               <a:t>4      </a:t>
             </a:r>
             <a:r>
-              <a:rPr lang="zh-CN" altLang="en-US" smtClean="0">
+              <a:rPr lang="zh-CN" altLang="en-US">
                 <a:latin typeface="Salesforce Sans"/>
                 <a:sym typeface="Salesforce Sans"/>
               </a:rPr>
-              <a:t>王</a:t>
-            </a:r>
-            <a:r>
-              <a:rPr lang="zh-CN" altLang="en-US" smtClean="0">
-                <a:latin typeface="Salesforce Sans"/>
-                <a:sym typeface="Salesforce Sans"/>
-              </a:rPr>
-              <a:t>超  </a:t>
-            </a:r>
-            <a:r>
-              <a:rPr lang="en-US" altLang="zh-CN" smtClean="0">
+              <a:t>王超  </a:t>
+            </a:r>
+            <a:r>
+              <a:rPr lang="en-US" altLang="zh-CN">
                 <a:latin typeface="Salesforce Sans"/>
                 <a:sym typeface="Salesforce Sans"/>
               </a:rPr>
@@ -10147,25 +10045,18 @@
   <p:clrMapOvr>
     <a:masterClrMapping/>
   </p:clrMapOvr>
-  <mc:AlternateContent xmlns:mc="http://schemas.openxmlformats.org/markup-compatibility/2006">
-    <mc:Choice xmlns="" xmlns:p14="http://schemas.microsoft.com/office/powerpoint/2010/main" Requires="p14">
+  <mc:AlternateContent xmlns:mc="http://schemas.openxmlformats.org/markup-compatibility/2006" xmlns:p14="http://schemas.microsoft.com/office/powerpoint/2010/main">
+    <mc:Choice Requires="p14">
       <p:transition spd="med" p14:dur="700">
         <p:fade/>
       </p:transition>
     </mc:Choice>
-    <mc:Fallback>
+    <mc:Fallback xmlns="">
       <p:transition spd="med">
         <p:fade/>
       </p:transition>
     </mc:Fallback>
   </mc:AlternateContent>
-  <p:timing>
-    <p:tnLst>
-      <p:par>
-        <p:cTn id="1" dur="indefinite" restart="never" nodeType="tmRoot"/>
-      </p:par>
-    </p:tnLst>
-  </p:timing>
 </p:sld>
 </file>
 
@@ -10223,71 +10114,35 @@
                 <a:ea typeface="微软雅黑" panose="020B0503020204020204" pitchFamily="34" charset="-122"/>
                 <a:sym typeface="Salesforce Sans"/>
               </a:rPr>
-              <a:t>述</a:t>
-            </a:r>
-            <a:r>
-              <a:rPr lang="zh-CN" altLang="en-US" sz="4800" smtClean="0">
-                <a:latin typeface="微软雅黑" panose="020B0503020204020204" pitchFamily="34" charset="-122"/>
-                <a:ea typeface="微软雅黑" panose="020B0503020204020204" pitchFamily="34" charset="-122"/>
-                <a:sym typeface="Salesforce Sans"/>
-              </a:rPr>
-              <a:t>：</a:t>
-            </a:r>
-            <a:r>
-              <a:rPr lang="en-US" altLang="zh-CN" sz="4800" smtClean="0">
-                <a:latin typeface="微软雅黑" panose="020B0503020204020204" pitchFamily="34" charset="-122"/>
-                <a:ea typeface="微软雅黑" panose="020B0503020204020204" pitchFamily="34" charset="-122"/>
-                <a:sym typeface="Salesforce Sans"/>
-              </a:rPr>
-              <a:t/>
+              <a:t>述：</a:t>
             </a:r>
             <a:br>
-              <a:rPr lang="en-US" altLang="zh-CN" sz="4800" smtClean="0">
+              <a:rPr lang="en-US" altLang="zh-CN" sz="4800">
                 <a:latin typeface="微软雅黑" panose="020B0503020204020204" pitchFamily="34" charset="-122"/>
                 <a:ea typeface="微软雅黑" panose="020B0503020204020204" pitchFamily="34" charset="-122"/>
                 <a:sym typeface="Salesforce Sans"/>
               </a:rPr>
             </a:br>
-            <a:r>
-              <a:rPr lang="en-US" altLang="zh-CN" sz="4800" smtClean="0">
-                <a:sym typeface="Salesforce Sans"/>
-              </a:rPr>
-              <a:t/>
-            </a:r>
             <a:br>
-              <a:rPr lang="en-US" altLang="zh-CN" sz="4800" smtClean="0">
+              <a:rPr lang="en-US" altLang="zh-CN" sz="4800">
                 <a:sym typeface="Salesforce Sans"/>
               </a:rPr>
             </a:br>
             <a:r>
-              <a:rPr lang="zh-CN" altLang="en-US" sz="4800" smtClean="0">
+              <a:rPr lang="zh-CN" altLang="en-US" sz="4800">
                 <a:sym typeface="Salesforce Sans"/>
               </a:rPr>
               <a:t>制作一个机车资讯网站，用户可以在此网站查看、发布、评论最新的机车资讯。</a:t>
             </a:r>
-            <a:r>
-              <a:rPr lang="en-US" altLang="zh-CN" sz="4800" smtClean="0">
-                <a:latin typeface="微软雅黑" panose="020B0503020204020204" pitchFamily="34" charset="-122"/>
-                <a:ea typeface="微软雅黑" panose="020B0503020204020204" pitchFamily="34" charset="-122"/>
-                <a:sym typeface="Salesforce Sans"/>
-              </a:rPr>
-              <a:t/>
-            </a:r>
             <a:br>
-              <a:rPr lang="en-US" altLang="zh-CN" sz="4800" smtClean="0">
+              <a:rPr lang="en-US" altLang="zh-CN" sz="4800">
                 <a:latin typeface="微软雅黑" panose="020B0503020204020204" pitchFamily="34" charset="-122"/>
                 <a:ea typeface="微软雅黑" panose="020B0503020204020204" pitchFamily="34" charset="-122"/>
                 <a:sym typeface="Salesforce Sans"/>
               </a:rPr>
             </a:br>
-            <a:r>
-              <a:rPr lang="en-US" altLang="zh-CN" sz="4800" smtClean="0">
-                <a:sym typeface="Salesforce Sans"/>
-              </a:rPr>
-              <a:t/>
-            </a:r>
             <a:br>
-              <a:rPr lang="en-US" altLang="zh-CN" sz="4800" smtClean="0">
+              <a:rPr lang="en-US" altLang="zh-CN" sz="4800">
                 <a:sym typeface="Salesforce Sans"/>
               </a:rPr>
             </a:br>
@@ -10304,25 +10159,18 @@
   <p:clrMapOvr>
     <a:masterClrMapping/>
   </p:clrMapOvr>
-  <mc:AlternateContent xmlns:mc="http://schemas.openxmlformats.org/markup-compatibility/2006">
-    <mc:Choice xmlns="" xmlns:p14="http://schemas.microsoft.com/office/powerpoint/2010/main" Requires="p14">
+  <mc:AlternateContent xmlns:mc="http://schemas.openxmlformats.org/markup-compatibility/2006" xmlns:p14="http://schemas.microsoft.com/office/powerpoint/2010/main">
+    <mc:Choice Requires="p14">
       <p:transition spd="med" p14:dur="700">
         <p:fade/>
       </p:transition>
     </mc:Choice>
-    <mc:Fallback>
+    <mc:Fallback xmlns="">
       <p:transition spd="med">
         <p:fade/>
       </p:transition>
     </mc:Fallback>
   </mc:AlternateContent>
-  <p:timing>
-    <p:tnLst>
-      <p:par>
-        <p:cTn id="1" dur="indefinite" restart="never" nodeType="tmRoot"/>
-      </p:par>
-    </p:tnLst>
-  </p:timing>
 </p:sld>
 </file>
 
@@ -10367,15 +10215,7 @@
                 <a:ea typeface="微软雅黑" panose="020B0503020204020204" pitchFamily="34" charset="-122"/>
                 <a:sym typeface="Salesforce Sans"/>
               </a:rPr>
-              <a:t>技</a:t>
-            </a:r>
-            <a:r>
-              <a:rPr lang="zh-CN" altLang="en-US" sz="4400" smtClean="0">
-                <a:latin typeface="微软雅黑" panose="020B0503020204020204" pitchFamily="34" charset="-122"/>
-                <a:ea typeface="微软雅黑" panose="020B0503020204020204" pitchFamily="34" charset="-122"/>
-                <a:sym typeface="Salesforce Sans"/>
-              </a:rPr>
-              <a:t>术栈：</a:t>
+              <a:t>技术栈：</a:t>
             </a:r>
             <a:endParaRPr lang="zh-CN" altLang="en-US" sz="4400" dirty="0">
               <a:latin typeface="微软雅黑" panose="020B0503020204020204" pitchFamily="34" charset="-122"/>
@@ -10409,14 +10249,14 @@
           <a:p>
             <a:pPr rtl="0"/>
             <a:r>
-              <a:rPr lang="zh-CN" altLang="en-US" smtClean="0">
+              <a:rPr lang="zh-CN" altLang="en-US">
                 <a:latin typeface="微软雅黑" panose="020B0503020204020204" pitchFamily="34" charset="-122"/>
                 <a:ea typeface="微软雅黑" panose="020B0503020204020204" pitchFamily="34" charset="-122"/>
                 <a:sym typeface="Salesforce Sans"/>
               </a:rPr>
               <a:t>前端：</a:t>
             </a:r>
-            <a:endParaRPr lang="en-US" altLang="zh-CN" smtClean="0">
+            <a:endParaRPr lang="en-US" altLang="zh-CN">
               <a:latin typeface="微软雅黑" panose="020B0503020204020204" pitchFamily="34" charset="-122"/>
               <a:ea typeface="微软雅黑" panose="020B0503020204020204" pitchFamily="34" charset="-122"/>
               <a:sym typeface="Salesforce Sans"/>
@@ -10430,42 +10270,39 @@
               <a:buSzPct val="100000"/>
             </a:pPr>
             <a:r>
-              <a:rPr lang="en-US" altLang="zh-CN" smtClean="0">
+              <a:rPr lang="en-US" altLang="zh-CN">
                 <a:sym typeface="Salesforce Sans"/>
               </a:rPr>
               <a:t>VUE</a:t>
             </a:r>
             <a:r>
-              <a:rPr lang="zh-CN" altLang="en-US" smtClean="0">
+              <a:rPr lang="zh-CN" altLang="en-US">
                 <a:sym typeface="Salesforce Sans"/>
               </a:rPr>
               <a:t>、</a:t>
             </a:r>
             <a:r>
-              <a:rPr lang="en-US" altLang="zh-CN" smtClean="0">
+              <a:rPr lang="en-US" altLang="zh-CN">
                 <a:sym typeface="Salesforce Sans"/>
               </a:rPr>
               <a:t>elementUI</a:t>
             </a:r>
             <a:r>
-              <a:rPr lang="zh-CN" altLang="en-US" smtClean="0">
+              <a:rPr lang="zh-CN" altLang="en-US">
                 <a:sym typeface="Salesforce Sans"/>
               </a:rPr>
               <a:t>、</a:t>
             </a:r>
             <a:r>
-              <a:rPr lang="en-US" altLang="zh-CN" smtClean="0">
+              <a:rPr lang="en-US" altLang="zh-CN">
                 <a:sym typeface="Salesforce Sans"/>
               </a:rPr>
               <a:t>Axios</a:t>
             </a:r>
-            <a:endParaRPr lang="en-US" altLang="zh-CN" smtClean="0">
-              <a:sym typeface="Salesforce Sans"/>
-            </a:endParaRPr>
           </a:p>
           <a:p>
             <a:pPr rtl="0"/>
-            <a:endParaRPr lang="en-US" altLang="zh-CN" smtClean="0">
+            <a:endParaRPr lang="en-US" altLang="zh-CN">
               <a:latin typeface="微软雅黑" panose="020B0503020204020204" pitchFamily="34" charset="-122"/>
               <a:ea typeface="微软雅黑" panose="020B0503020204020204" pitchFamily="34" charset="-122"/>
               <a:sym typeface="Salesforce Sans"/>
@@ -10474,48 +10311,42 @@
           <a:p>
             <a:pPr rtl="0"/>
             <a:r>
-              <a:rPr lang="zh-CN" altLang="en-US" smtClean="0">
+              <a:rPr lang="zh-CN" altLang="en-US">
                 <a:sym typeface="Salesforce Sans"/>
               </a:rPr>
-              <a:t>后</a:t>
-            </a:r>
-            <a:r>
-              <a:rPr lang="zh-CN" altLang="en-US" smtClean="0">
-                <a:sym typeface="Salesforce Sans"/>
-              </a:rPr>
-              <a:t>端：</a:t>
-            </a:r>
-            <a:endParaRPr lang="en-US" altLang="zh-CN" smtClean="0">
+              <a:t>后端：</a:t>
+            </a:r>
+            <a:endParaRPr lang="en-US" altLang="zh-CN">
               <a:sym typeface="Salesforce Sans"/>
             </a:endParaRPr>
           </a:p>
           <a:p>
             <a:pPr lvl="1"/>
             <a:r>
-              <a:rPr lang="en-US" altLang="zh-CN" smtClean="0">
+              <a:rPr lang="en-US" altLang="zh-CN">
                 <a:sym typeface="Salesforce Sans"/>
               </a:rPr>
               <a:t>Maven</a:t>
             </a:r>
             <a:r>
-              <a:rPr lang="zh-CN" altLang="en-US" smtClean="0">
+              <a:rPr lang="zh-CN" altLang="en-US">
                 <a:sym typeface="Salesforce Sans"/>
               </a:rPr>
               <a:t>、</a:t>
             </a:r>
             <a:r>
-              <a:rPr lang="en-US" altLang="zh-CN" smtClean="0">
+              <a:rPr lang="en-US" altLang="zh-CN">
                 <a:sym typeface="Salesforce Sans"/>
               </a:rPr>
               <a:t>SpringBoot</a:t>
             </a:r>
             <a:r>
-              <a:rPr lang="zh-CN" altLang="en-US" smtClean="0">
+              <a:rPr lang="zh-CN" altLang="en-US">
                 <a:sym typeface="Salesforce Sans"/>
               </a:rPr>
               <a:t>、</a:t>
             </a:r>
-            <a:endParaRPr lang="en-US" altLang="zh-CN" smtClean="0">
+            <a:endParaRPr lang="en-US" altLang="zh-CN">
               <a:sym typeface="Salesforce Sans"/>
             </a:endParaRPr>
           </a:p>
@@ -10524,19 +10355,19 @@
               <a:buNone/>
             </a:pPr>
             <a:r>
-              <a:rPr lang="en-US" altLang="zh-CN" smtClean="0">
+              <a:rPr lang="en-US" altLang="zh-CN">
                 <a:sym typeface="Salesforce Sans"/>
               </a:rPr>
               <a:t>	   MyBatis</a:t>
             </a:r>
             <a:r>
-              <a:rPr lang="zh-CN" altLang="en-US" smtClean="0">
+              <a:rPr lang="zh-CN" altLang="en-US">
                 <a:sym typeface="Salesforce Sans"/>
               </a:rPr>
               <a:t>、</a:t>
             </a:r>
             <a:r>
-              <a:rPr lang="en-US" altLang="zh-CN" smtClean="0">
+              <a:rPr lang="en-US" altLang="zh-CN">
                 <a:sym typeface="Salesforce Sans"/>
               </a:rPr>
               <a:t>MySql</a:t>
@@ -10546,7 +10377,7 @@
             <a:pPr rtl="0">
               <a:buNone/>
             </a:pPr>
-            <a:endParaRPr lang="en-US" altLang="zh-CN" smtClean="0">
+            <a:endParaRPr lang="en-US" altLang="zh-CN">
               <a:latin typeface="微软雅黑" panose="020B0503020204020204" pitchFamily="34" charset="-122"/>
               <a:ea typeface="微软雅黑" panose="020B0503020204020204" pitchFamily="34" charset="-122"/>
               <a:sym typeface="Salesforce Sans"/>
@@ -10555,34 +10386,26 @@
           <a:p>
             <a:pPr rtl="0"/>
             <a:r>
-              <a:rPr lang="zh-CN" altLang="en-US" smtClean="0">
+              <a:rPr lang="zh-CN" altLang="en-US">
                 <a:latin typeface="微软雅黑" panose="020B0503020204020204" pitchFamily="34" charset="-122"/>
                 <a:ea typeface="微软雅黑" panose="020B0503020204020204" pitchFamily="34" charset="-122"/>
                 <a:sym typeface="Salesforce Sans"/>
               </a:rPr>
-              <a:t>图片服务器</a:t>
-            </a:r>
-            <a:r>
-              <a:rPr lang="zh-CN" altLang="en-US" smtClean="0">
-                <a:latin typeface="微软雅黑" panose="020B0503020204020204" pitchFamily="34" charset="-122"/>
-                <a:ea typeface="微软雅黑" panose="020B0503020204020204" pitchFamily="34" charset="-122"/>
-                <a:sym typeface="Salesforce Sans"/>
-              </a:rPr>
-              <a:t>：</a:t>
-            </a:r>
-            <a:endParaRPr lang="en-US" altLang="zh-CN" smtClean="0">
+              <a:t>图片服务器：</a:t>
+            </a:r>
+            <a:endParaRPr lang="en-US" altLang="zh-CN">
               <a:sym typeface="Salesforce Sans"/>
             </a:endParaRPr>
           </a:p>
           <a:p>
             <a:pPr lvl="1"/>
             <a:r>
-              <a:rPr lang="en-US" altLang="zh-CN" smtClean="0">
+              <a:rPr lang="en-US" altLang="zh-CN">
                 <a:sym typeface="Salesforce Sans"/>
               </a:rPr>
               <a:t>Nginx</a:t>
             </a:r>
-            <a:endParaRPr lang="en-US" altLang="zh-CN" smtClean="0">
+            <a:endParaRPr lang="en-US" altLang="zh-CN">
               <a:latin typeface="微软雅黑" panose="020B0503020204020204" pitchFamily="34" charset="-122"/>
               <a:ea typeface="微软雅黑" panose="020B0503020204020204" pitchFamily="34" charset="-122"/>
               <a:sym typeface="Salesforce Sans"/>
@@ -10598,6 +10421,11 @@
           </p:cNvGraphicFramePr>
           <p:nvPr>
             <p:ph sz="half" idx="2"/>
+            <p:extLst>
+              <p:ext uri="{D42A27DB-BD31-4B8C-83A1-F6EECF244321}">
+                <p14:modId xmlns:p14="http://schemas.microsoft.com/office/powerpoint/2010/main" val="1443514942"/>
+              </p:ext>
+            </p:extLst>
           </p:nvPr>
         </p:nvGraphicFramePr>
         <p:xfrm>
@@ -10744,25 +10572,18 @@
   <p:clrMapOvr>
     <a:masterClrMapping/>
   </p:clrMapOvr>
-  <mc:AlternateContent xmlns:mc="http://schemas.openxmlformats.org/markup-compatibility/2006">
-    <mc:Choice xmlns="" xmlns:p14="http://schemas.microsoft.com/office/powerpoint/2010/main" Requires="p14">
+  <mc:AlternateContent xmlns:mc="http://schemas.openxmlformats.org/markup-compatibility/2006" xmlns:p14="http://schemas.microsoft.com/office/powerpoint/2010/main">
+    <mc:Choice Requires="p14">
       <p:transition spd="med" p14:dur="700">
         <p:fade/>
       </p:transition>
     </mc:Choice>
-    <mc:Fallback>
+    <mc:Fallback xmlns="">
       <p:transition spd="med">
         <p:fade/>
       </p:transition>
     </mc:Fallback>
   </mc:AlternateContent>
-  <p:timing>
-    <p:tnLst>
-      <p:par>
-        <p:cTn id="1" dur="indefinite" restart="never" nodeType="tmRoot"/>
-      </p:par>
-    </p:tnLst>
-  </p:timing>
 </p:sld>
 </file>
 
@@ -10805,10 +10626,9 @@
           <a:p>
             <a:pPr algn="ctr"/>
             <a:r>
-              <a:rPr lang="zh-CN" altLang="en-US" smtClean="0"/>
+              <a:rPr lang="zh-CN" altLang="en-US"/>
               <a:t>小组分工</a:t>
             </a:r>
-            <a:endParaRPr lang="zh-CN" altLang="en-US"/>
           </a:p>
         </p:txBody>
       </p:sp>
@@ -10817,25 +10637,18 @@
   <p:clrMapOvr>
     <a:masterClrMapping/>
   </p:clrMapOvr>
-  <mc:AlternateContent xmlns:mc="http://schemas.openxmlformats.org/markup-compatibility/2006">
-    <mc:Choice xmlns="" xmlns:p14="http://schemas.microsoft.com/office/powerpoint/2010/main" Requires="p14">
+  <mc:AlternateContent xmlns:mc="http://schemas.openxmlformats.org/markup-compatibility/2006" xmlns:p14="http://schemas.microsoft.com/office/powerpoint/2010/main">
+    <mc:Choice Requires="p14">
       <p:transition spd="med" p14:dur="700">
         <p:fade/>
       </p:transition>
     </mc:Choice>
-    <mc:Fallback>
+    <mc:Fallback xmlns="">
       <p:transition spd="med">
         <p:fade/>
       </p:transition>
     </mc:Fallback>
   </mc:AlternateContent>
-  <p:timing>
-    <p:tnLst>
-      <p:par>
-        <p:cTn id="1" dur="indefinite" restart="never" nodeType="tmRoot"/>
-      </p:par>
-    </p:tnLst>
-  </p:timing>
 </p:sld>
 </file>
 
@@ -10877,10 +10690,9 @@
           <a:lstStyle/>
           <a:p>
             <a:r>
-              <a:rPr lang="zh-CN" altLang="en-US" smtClean="0"/>
+              <a:rPr lang="zh-CN" altLang="en-US"/>
               <a:t>葛云浩：</a:t>
             </a:r>
-            <a:endParaRPr lang="zh-CN" altLang="en-US"/>
           </a:p>
         </p:txBody>
       </p:sp>
@@ -10905,72 +10717,64 @@
           <a:lstStyle/>
           <a:p>
             <a:r>
-              <a:rPr lang="zh-CN" altLang="en-US" smtClean="0"/>
-              <a:t>页</a:t>
-            </a:r>
-            <a:r>
-              <a:rPr lang="zh-CN" altLang="en-US" smtClean="0"/>
-              <a:t>面布局</a:t>
-            </a:r>
-            <a:r>
-              <a:rPr lang="zh-CN" altLang="en-US" smtClean="0"/>
-              <a:t>；</a:t>
-            </a:r>
-            <a:endParaRPr lang="en-US" altLang="zh-CN" smtClean="0"/>
-          </a:p>
-          <a:p>
-            <a:endParaRPr lang="en-US" altLang="zh-CN" smtClean="0"/>
-          </a:p>
-          <a:p>
-            <a:r>
-              <a:rPr lang="zh-CN" altLang="en-US" smtClean="0"/>
+              <a:rPr lang="zh-CN" altLang="en-US"/>
+              <a:t>页面布局；</a:t>
+            </a:r>
+            <a:endParaRPr lang="en-US" altLang="zh-CN"/>
+          </a:p>
+          <a:p>
+            <a:endParaRPr lang="en-US" altLang="zh-CN"/>
+          </a:p>
+          <a:p>
+            <a:r>
+              <a:rPr lang="zh-CN" altLang="en-US"/>
               <a:t>前端页面设计实现；</a:t>
             </a:r>
-            <a:endParaRPr lang="en-US" altLang="zh-CN" smtClean="0"/>
-          </a:p>
-          <a:p>
-            <a:endParaRPr lang="en-US" altLang="zh-CN" smtClean="0"/>
-          </a:p>
-          <a:p>
-            <a:r>
-              <a:rPr lang="zh-CN" altLang="en-US" smtClean="0"/>
+            <a:endParaRPr lang="en-US" altLang="zh-CN"/>
+          </a:p>
+          <a:p>
+            <a:endParaRPr lang="en-US" altLang="zh-CN"/>
+          </a:p>
+          <a:p>
+            <a:r>
+              <a:rPr lang="zh-CN" altLang="en-US"/>
               <a:t>表单信息输入项的格式验证；</a:t>
             </a:r>
-            <a:endParaRPr lang="en-US" altLang="zh-CN" smtClean="0"/>
-          </a:p>
-          <a:p>
-            <a:endParaRPr lang="en-US" altLang="zh-CN" smtClean="0"/>
-          </a:p>
-          <a:p>
-            <a:endParaRPr lang="en-US" altLang="zh-CN" smtClean="0"/>
-          </a:p>
-          <a:p>
-            <a:r>
-              <a:rPr lang="zh-CN" altLang="en-US" smtClean="0"/>
+            <a:endParaRPr lang="en-US" altLang="zh-CN"/>
+          </a:p>
+          <a:p>
+            <a:endParaRPr lang="en-US" altLang="zh-CN"/>
+          </a:p>
+          <a:p>
+            <a:endParaRPr lang="en-US" altLang="zh-CN"/>
+          </a:p>
+          <a:p>
+            <a:r>
+              <a:rPr lang="zh-CN" altLang="en-US"/>
               <a:t>运用技术：</a:t>
             </a:r>
             <a:r>
-              <a:rPr lang="en-US" altLang="zh-CN" smtClean="0"/>
+              <a:rPr lang="en-US" altLang="zh-CN"/>
               <a:t>VUE</a:t>
             </a:r>
             <a:r>
-              <a:rPr lang="zh-CN" altLang="en-US" smtClean="0"/>
+              <a:rPr lang="zh-CN" altLang="en-US"/>
               <a:t>、</a:t>
             </a:r>
             <a:r>
-              <a:rPr lang="en-US" altLang="zh-CN" smtClean="0">
+              <a:rPr lang="en-US" altLang="zh-CN">
                 <a:sym typeface="Salesforce Sans"/>
               </a:rPr>
               <a:t> </a:t>
             </a:r>
             <a:r>
-              <a:rPr lang="en-US" altLang="zh-CN" cap="none" smtClean="0">
+              <a:rPr lang="en-US" altLang="zh-CN" cap="none">
                 <a:sym typeface="Salesforce Sans"/>
               </a:rPr>
               <a:t>Element</a:t>
             </a:r>
             <a:r>
-              <a:rPr lang="en-US" altLang="zh-CN" smtClean="0">
+              <a:rPr lang="en-US" altLang="zh-CN">
                 <a:sym typeface="Salesforce Sans"/>
               </a:rPr>
               <a:t>UI</a:t>
@@ -10984,25 +10788,18 @@
   <p:clrMapOvr>
     <a:masterClrMapping/>
   </p:clrMapOvr>
-  <mc:AlternateContent xmlns:mc="http://schemas.openxmlformats.org/markup-compatibility/2006">
-    <mc:Choice xmlns="" xmlns:p14="http://schemas.microsoft.com/office/powerpoint/2010/main" Requires="p14">
+  <mc:AlternateContent xmlns:mc="http://schemas.openxmlformats.org/markup-compatibility/2006" xmlns:p14="http://schemas.microsoft.com/office/powerpoint/2010/main">
+    <mc:Choice Requires="p14">
       <p:transition spd="med" p14:dur="700">
         <p:fade/>
       </p:transition>
     </mc:Choice>
-    <mc:Fallback>
+    <mc:Fallback xmlns="">
       <p:transition spd="med">
         <p:fade/>
       </p:transition>
     </mc:Fallback>
   </mc:AlternateContent>
-  <p:timing>
-    <p:tnLst>
-      <p:par>
-        <p:cTn id="1" dur="indefinite" restart="never" nodeType="tmRoot"/>
-      </p:par>
-    </p:tnLst>
-  </p:timing>
 </p:sld>
 </file>
 
@@ -11044,14 +10841,9 @@
           <a:lstStyle/>
           <a:p>
             <a:r>
-              <a:rPr lang="zh-CN" altLang="en-US" smtClean="0"/>
-              <a:t>王义</a:t>
-            </a:r>
-            <a:r>
-              <a:rPr lang="zh-CN" altLang="en-US" smtClean="0"/>
-              <a:t>：</a:t>
-            </a:r>
-            <a:endParaRPr lang="zh-CN" altLang="en-US"/>
+              <a:rPr lang="zh-CN" altLang="en-US"/>
+              <a:t>王义：</a:t>
+            </a:r>
           </a:p>
         </p:txBody>
       </p:sp>
@@ -11076,66 +10868,50 @@
           <a:lstStyle/>
           <a:p>
             <a:r>
-              <a:rPr lang="zh-CN" altLang="en-US" smtClean="0"/>
-              <a:t>注</a:t>
-            </a:r>
-            <a:r>
-              <a:rPr lang="zh-CN" altLang="en-US" smtClean="0"/>
-              <a:t>册登录逻辑的实现</a:t>
-            </a:r>
-            <a:r>
-              <a:rPr lang="zh-CN" altLang="en-US" smtClean="0"/>
-              <a:t>；</a:t>
-            </a:r>
-            <a:endParaRPr lang="en-US" altLang="zh-CN" smtClean="0"/>
-          </a:p>
-          <a:p>
-            <a:endParaRPr lang="en-US" altLang="zh-CN" smtClean="0"/>
-          </a:p>
-          <a:p>
-            <a:r>
-              <a:rPr lang="zh-CN" altLang="en-US" smtClean="0"/>
-              <a:t>个</a:t>
-            </a:r>
-            <a:r>
-              <a:rPr lang="zh-CN" altLang="en-US" smtClean="0"/>
-              <a:t>人信息修改逻辑的实现</a:t>
-            </a:r>
-            <a:r>
-              <a:rPr lang="zh-CN" altLang="en-US" smtClean="0"/>
-              <a:t>；</a:t>
-            </a:r>
-            <a:endParaRPr lang="en-US" altLang="zh-CN" smtClean="0"/>
-          </a:p>
-          <a:p>
-            <a:endParaRPr lang="en-US" altLang="zh-CN" smtClean="0"/>
-          </a:p>
-          <a:p>
-            <a:endParaRPr lang="en-US" altLang="zh-CN" smtClean="0"/>
-          </a:p>
-          <a:p>
-            <a:r>
-              <a:rPr lang="zh-CN" altLang="en-US" smtClean="0"/>
+              <a:rPr lang="zh-CN" altLang="en-US"/>
+              <a:t>注册登录逻辑的实现；</a:t>
+            </a:r>
+            <a:endParaRPr lang="en-US" altLang="zh-CN"/>
+          </a:p>
+          <a:p>
+            <a:endParaRPr lang="en-US" altLang="zh-CN"/>
+          </a:p>
+          <a:p>
+            <a:r>
+              <a:rPr lang="zh-CN" altLang="en-US"/>
+              <a:t>个人信息修改逻辑的实现；</a:t>
+            </a:r>
+            <a:endParaRPr lang="en-US" altLang="zh-CN"/>
+          </a:p>
+          <a:p>
+            <a:endParaRPr lang="en-US" altLang="zh-CN"/>
+          </a:p>
+          <a:p>
+            <a:endParaRPr lang="en-US" altLang="zh-CN"/>
+          </a:p>
+          <a:p>
+            <a:r>
+              <a:rPr lang="zh-CN" altLang="en-US"/>
               <a:t>运用技术：</a:t>
             </a:r>
             <a:r>
-              <a:rPr lang="en-US" altLang="zh-CN" cap="none" smtClean="0"/>
+              <a:rPr lang="en-US" altLang="zh-CN" cap="none"/>
               <a:t>SpringBoot</a:t>
             </a:r>
             <a:r>
-              <a:rPr lang="zh-CN" altLang="en-US" cap="none" smtClean="0"/>
+              <a:rPr lang="zh-CN" altLang="en-US" cap="none"/>
               <a:t>、</a:t>
             </a:r>
             <a:r>
-              <a:rPr lang="en-US" altLang="zh-CN" cap="none" smtClean="0"/>
+              <a:rPr lang="en-US" altLang="zh-CN" cap="none"/>
               <a:t>MyBatis</a:t>
             </a:r>
             <a:r>
-              <a:rPr lang="zh-CN" altLang="en-US" cap="none" smtClean="0"/>
+              <a:rPr lang="zh-CN" altLang="en-US" cap="none"/>
               <a:t>、</a:t>
             </a:r>
             <a:r>
-              <a:rPr lang="en-US" altLang="zh-CN" cap="none" smtClean="0"/>
+              <a:rPr lang="en-US" altLang="zh-CN" cap="none"/>
               <a:t>MySQL</a:t>
             </a:r>
             <a:endParaRPr lang="zh-CN" altLang="en-US"/>
@@ -11147,25 +10923,18 @@
   <p:clrMapOvr>
     <a:masterClrMapping/>
   </p:clrMapOvr>
-  <mc:AlternateContent xmlns:mc="http://schemas.openxmlformats.org/markup-compatibility/2006">
-    <mc:Choice xmlns="" xmlns:p14="http://schemas.microsoft.com/office/powerpoint/2010/main" Requires="p14">
+  <mc:AlternateContent xmlns:mc="http://schemas.openxmlformats.org/markup-compatibility/2006" xmlns:p14="http://schemas.microsoft.com/office/powerpoint/2010/main">
+    <mc:Choice Requires="p14">
       <p:transition spd="med" p14:dur="700">
         <p:fade/>
       </p:transition>
     </mc:Choice>
-    <mc:Fallback>
+    <mc:Fallback xmlns="">
       <p:transition spd="med">
         <p:fade/>
       </p:transition>
     </mc:Fallback>
   </mc:AlternateContent>
-  <p:timing>
-    <p:tnLst>
-      <p:par>
-        <p:cTn id="1" dur="indefinite" restart="never" nodeType="tmRoot"/>
-      </p:par>
-    </p:tnLst>
-  </p:timing>
 </p:sld>
 </file>
 
@@ -11207,10 +10976,9 @@
           <a:lstStyle/>
           <a:p>
             <a:r>
-              <a:rPr lang="zh-CN" altLang="en-US" smtClean="0"/>
+              <a:rPr lang="zh-CN" altLang="en-US"/>
               <a:t>王超：</a:t>
             </a:r>
-            <a:endParaRPr lang="zh-CN" altLang="en-US"/>
           </a:p>
         </p:txBody>
       </p:sp>
@@ -11237,76 +11005,60 @@
           <a:lstStyle/>
           <a:p>
             <a:r>
-              <a:rPr lang="zh-CN" altLang="en-US" smtClean="0"/>
-              <a:t>资</a:t>
-            </a:r>
-            <a:r>
-              <a:rPr lang="zh-CN" altLang="en-US" smtClean="0"/>
-              <a:t>讯发布逻辑的实现</a:t>
-            </a:r>
-            <a:r>
-              <a:rPr lang="zh-CN" altLang="en-US" smtClean="0"/>
-              <a:t>；</a:t>
-            </a:r>
-            <a:endParaRPr lang="en-US" altLang="zh-CN" smtClean="0"/>
-          </a:p>
-          <a:p>
-            <a:endParaRPr lang="en-US" altLang="zh-CN" smtClean="0"/>
-          </a:p>
-          <a:p>
-            <a:r>
-              <a:rPr lang="zh-CN" altLang="en-US" smtClean="0"/>
-              <a:t>评</a:t>
-            </a:r>
-            <a:r>
-              <a:rPr lang="zh-CN" altLang="en-US" smtClean="0"/>
-              <a:t>论发表逻辑的实现</a:t>
-            </a:r>
-            <a:r>
-              <a:rPr lang="zh-CN" altLang="en-US" smtClean="0"/>
-              <a:t>；</a:t>
-            </a:r>
-            <a:endParaRPr lang="en-US" altLang="zh-CN" smtClean="0"/>
-          </a:p>
-          <a:p>
-            <a:endParaRPr lang="en-US" altLang="zh-CN" smtClean="0"/>
-          </a:p>
-          <a:p>
-            <a:r>
-              <a:rPr lang="zh-CN" altLang="en-US" smtClean="0"/>
+              <a:rPr lang="zh-CN" altLang="en-US"/>
+              <a:t>资讯发布逻辑的实现；</a:t>
+            </a:r>
+            <a:endParaRPr lang="en-US" altLang="zh-CN"/>
+          </a:p>
+          <a:p>
+            <a:endParaRPr lang="en-US" altLang="zh-CN"/>
+          </a:p>
+          <a:p>
+            <a:r>
+              <a:rPr lang="zh-CN" altLang="en-US"/>
+              <a:t>评论发表逻辑的实现；</a:t>
+            </a:r>
+            <a:endParaRPr lang="en-US" altLang="zh-CN"/>
+          </a:p>
+          <a:p>
+            <a:endParaRPr lang="en-US" altLang="zh-CN"/>
+          </a:p>
+          <a:p>
+            <a:r>
+              <a:rPr lang="zh-CN" altLang="en-US"/>
               <a:t>收藏资讯逻辑的实现；</a:t>
             </a:r>
-            <a:endParaRPr lang="en-US" altLang="zh-CN" smtClean="0"/>
-          </a:p>
-          <a:p>
-            <a:endParaRPr lang="en-US" altLang="zh-CN" smtClean="0"/>
-          </a:p>
-          <a:p>
-            <a:endParaRPr lang="en-US" altLang="zh-CN" smtClean="0"/>
-          </a:p>
-          <a:p>
-            <a:r>
-              <a:rPr lang="zh-CN" altLang="en-US" smtClean="0"/>
+            <a:endParaRPr lang="en-US" altLang="zh-CN"/>
+          </a:p>
+          <a:p>
+            <a:endParaRPr lang="en-US" altLang="zh-CN"/>
+          </a:p>
+          <a:p>
+            <a:endParaRPr lang="en-US" altLang="zh-CN"/>
+          </a:p>
+          <a:p>
+            <a:r>
+              <a:rPr lang="zh-CN" altLang="en-US"/>
               <a:t>运用技术：</a:t>
             </a:r>
             <a:r>
-              <a:rPr lang="en-US" altLang="zh-CN" cap="none" smtClean="0"/>
+              <a:rPr lang="en-US" altLang="zh-CN" cap="none"/>
               <a:t>SpringBoot</a:t>
             </a:r>
             <a:r>
-              <a:rPr lang="zh-CN" altLang="en-US" cap="none" smtClean="0"/>
+              <a:rPr lang="zh-CN" altLang="en-US" cap="none"/>
               <a:t>、</a:t>
             </a:r>
             <a:r>
-              <a:rPr lang="en-US" altLang="zh-CN" cap="none" smtClean="0"/>
+              <a:rPr lang="en-US" altLang="zh-CN" cap="none"/>
               <a:t>MyBatis</a:t>
             </a:r>
             <a:r>
-              <a:rPr lang="zh-CN" altLang="en-US" cap="none" smtClean="0"/>
+              <a:rPr lang="zh-CN" altLang="en-US" cap="none"/>
               <a:t>、</a:t>
             </a:r>
             <a:r>
-              <a:rPr lang="en-US" altLang="zh-CN" cap="none" smtClean="0"/>
+              <a:rPr lang="en-US" altLang="zh-CN" cap="none"/>
               <a:t>MySQL</a:t>
             </a:r>
             <a:endParaRPr lang="zh-CN" altLang="en-US"/>
@@ -11318,25 +11070,18 @@
   <p:clrMapOvr>
     <a:masterClrMapping/>
   </p:clrMapOvr>
-  <mc:AlternateContent xmlns:mc="http://schemas.openxmlformats.org/markup-compatibility/2006">
-    <mc:Choice xmlns="" xmlns:p14="http://schemas.microsoft.com/office/powerpoint/2010/main" Requires="p14">
+  <mc:AlternateContent xmlns:mc="http://schemas.openxmlformats.org/markup-compatibility/2006" xmlns:p14="http://schemas.microsoft.com/office/powerpoint/2010/main">
+    <mc:Choice Requires="p14">
       <p:transition spd="med" p14:dur="700">
         <p:fade/>
       </p:transition>
     </mc:Choice>
-    <mc:Fallback>
+    <mc:Fallback xmlns="">
       <p:transition spd="med">
         <p:fade/>
       </p:transition>
     </mc:Fallback>
   </mc:AlternateContent>
-  <p:timing>
-    <p:tnLst>
-      <p:par>
-        <p:cTn id="1" dur="indefinite" restart="never" nodeType="tmRoot"/>
-      </p:par>
-    </p:tnLst>
-  </p:timing>
 </p:sld>
 </file>
 
@@ -11378,14 +11123,9 @@
           <a:lstStyle/>
           <a:p>
             <a:r>
-              <a:rPr lang="zh-CN" altLang="en-US" smtClean="0"/>
-              <a:t>吕彤</a:t>
-            </a:r>
-            <a:r>
-              <a:rPr lang="zh-CN" altLang="en-US" smtClean="0"/>
-              <a:t>：</a:t>
-            </a:r>
-            <a:endParaRPr lang="zh-CN" altLang="en-US"/>
+              <a:rPr lang="zh-CN" altLang="en-US"/>
+              <a:t>吕彤：</a:t>
+            </a:r>
           </a:p>
         </p:txBody>
       </p:sp>
@@ -11411,127 +11151,123 @@
           </a:bodyPr>
           <a:lstStyle/>
           <a:p>
-            <a:endParaRPr lang="en-US" altLang="zh-CN" smtClean="0"/>
-          </a:p>
-          <a:p>
-            <a:r>
-              <a:rPr lang="zh-CN" altLang="en-US" smtClean="0"/>
+            <a:endParaRPr lang="en-US" altLang="zh-CN"/>
+          </a:p>
+          <a:p>
+            <a:r>
+              <a:rPr lang="zh-CN" altLang="en-US"/>
               <a:t>搭建项目框架；</a:t>
             </a:r>
-            <a:endParaRPr lang="en-US" altLang="zh-CN" smtClean="0"/>
-          </a:p>
-          <a:p>
-            <a:endParaRPr lang="en-US" altLang="zh-CN" smtClean="0"/>
-          </a:p>
-          <a:p>
-            <a:r>
-              <a:rPr lang="zh-CN" altLang="en-US" smtClean="0"/>
+            <a:endParaRPr lang="en-US" altLang="zh-CN"/>
+          </a:p>
+          <a:p>
+            <a:endParaRPr lang="en-US" altLang="zh-CN"/>
+          </a:p>
+          <a:p>
+            <a:r>
+              <a:rPr lang="zh-CN" altLang="en-US"/>
               <a:t>资讯查询评论收藏以及点击数处理；</a:t>
             </a:r>
-            <a:endParaRPr lang="en-US" altLang="zh-CN" smtClean="0"/>
-          </a:p>
-          <a:p>
-            <a:endParaRPr lang="en-US" altLang="zh-CN" smtClean="0"/>
-          </a:p>
-          <a:p>
-            <a:r>
-              <a:rPr lang="zh-CN" altLang="en-US" smtClean="0"/>
+            <a:endParaRPr lang="en-US" altLang="zh-CN"/>
+          </a:p>
+          <a:p>
+            <a:endParaRPr lang="en-US" altLang="zh-CN"/>
+          </a:p>
+          <a:p>
+            <a:r>
+              <a:rPr lang="zh-CN" altLang="en-US"/>
               <a:t>通</a:t>
             </a:r>
             <a:r>
-              <a:rPr lang="zh-CN" altLang="en-US" cap="none" smtClean="0"/>
+              <a:rPr lang="zh-CN" altLang="en-US" cap="none"/>
               <a:t>过</a:t>
             </a:r>
             <a:r>
-              <a:rPr lang="en-US" altLang="zh-CN" cap="none" smtClean="0"/>
+              <a:rPr lang="en-US" altLang="zh-CN" cap="none"/>
               <a:t>Axios</a:t>
             </a:r>
             <a:r>
-              <a:rPr lang="zh-CN" altLang="en-US" cap="none" smtClean="0"/>
-              <a:t>调用后台接口并渲染</a:t>
-            </a:r>
-            <a:r>
-              <a:rPr lang="zh-CN" altLang="en-US" cap="none" smtClean="0"/>
-              <a:t>；</a:t>
-            </a:r>
-            <a:endParaRPr lang="en-US" altLang="zh-CN" smtClean="0"/>
-          </a:p>
-          <a:p>
-            <a:endParaRPr lang="en-US" altLang="zh-CN" smtClean="0"/>
-          </a:p>
-          <a:p>
-            <a:endParaRPr lang="en-US" altLang="zh-CN" smtClean="0"/>
-          </a:p>
-          <a:p>
-            <a:r>
-              <a:rPr lang="zh-CN" altLang="en-US" smtClean="0"/>
+              <a:rPr lang="zh-CN" altLang="en-US" cap="none"/>
+              <a:t>调用后台接口并渲染；</a:t>
+            </a:r>
+            <a:endParaRPr lang="en-US" altLang="zh-CN"/>
+          </a:p>
+          <a:p>
+            <a:endParaRPr lang="en-US" altLang="zh-CN"/>
+          </a:p>
+          <a:p>
+            <a:endParaRPr lang="en-US" altLang="zh-CN"/>
+          </a:p>
+          <a:p>
+            <a:r>
+              <a:rPr lang="zh-CN" altLang="en-US"/>
               <a:t>运用技术：</a:t>
             </a:r>
             <a:r>
-              <a:rPr lang="en-US" altLang="zh-CN" smtClean="0"/>
+              <a:rPr lang="en-US" altLang="zh-CN"/>
               <a:t>VUE</a:t>
             </a:r>
             <a:r>
-              <a:rPr lang="zh-CN" altLang="en-US" smtClean="0"/>
+              <a:rPr lang="zh-CN" altLang="en-US"/>
               <a:t>、</a:t>
             </a:r>
             <a:r>
-              <a:rPr lang="en-US" altLang="zh-CN" smtClean="0"/>
+              <a:rPr lang="en-US" altLang="zh-CN"/>
               <a:t>e</a:t>
             </a:r>
             <a:r>
-              <a:rPr lang="en-US" altLang="zh-CN" cap="none" smtClean="0"/>
+              <a:rPr lang="en-US" altLang="zh-CN" cap="none"/>
               <a:t>lement</a:t>
             </a:r>
             <a:r>
-              <a:rPr lang="en-US" altLang="zh-CN" smtClean="0"/>
+              <a:rPr lang="en-US" altLang="zh-CN"/>
               <a:t>ui</a:t>
             </a:r>
             <a:r>
-              <a:rPr lang="zh-CN" altLang="en-US" smtClean="0"/>
+              <a:rPr lang="zh-CN" altLang="en-US"/>
               <a:t>、</a:t>
             </a:r>
             <a:r>
-              <a:rPr lang="en-US" altLang="zh-CN" smtClean="0"/>
+              <a:rPr lang="en-US" altLang="zh-CN"/>
               <a:t>Maven</a:t>
             </a:r>
             <a:r>
-              <a:rPr lang="zh-CN" altLang="en-US" smtClean="0"/>
+              <a:rPr lang="zh-CN" altLang="en-US"/>
               <a:t>、</a:t>
             </a:r>
             <a:r>
-              <a:rPr lang="en-US" altLang="zh-CN" smtClean="0"/>
+              <a:rPr lang="en-US" altLang="zh-CN"/>
               <a:t>s</a:t>
             </a:r>
             <a:r>
-              <a:rPr lang="en-US" altLang="zh-CN" cap="none" smtClean="0"/>
+              <a:rPr lang="en-US" altLang="zh-CN" cap="none"/>
               <a:t>pring</a:t>
             </a:r>
             <a:r>
-              <a:rPr lang="en-US" altLang="zh-CN" smtClean="0"/>
+              <a:rPr lang="en-US" altLang="zh-CN"/>
               <a:t>b</a:t>
             </a:r>
             <a:r>
-              <a:rPr lang="en-US" altLang="zh-CN" cap="none" smtClean="0"/>
+              <a:rPr lang="en-US" altLang="zh-CN" cap="none"/>
               <a:t>oot</a:t>
             </a:r>
             <a:r>
-              <a:rPr lang="zh-CN" altLang="en-US" cap="none" smtClean="0"/>
+              <a:rPr lang="zh-CN" altLang="en-US" cap="none"/>
               <a:t>、</a:t>
             </a:r>
             <a:r>
-              <a:rPr lang="en-US" altLang="zh-CN" cap="none" smtClean="0"/>
+              <a:rPr lang="en-US" altLang="zh-CN" cap="none"/>
               <a:t>MyBatis</a:t>
             </a:r>
             <a:r>
-              <a:rPr lang="zh-CN" altLang="en-US" cap="none" smtClean="0"/>
+              <a:rPr lang="zh-CN" altLang="en-US" cap="none"/>
               <a:t>、</a:t>
             </a:r>
             <a:r>
-              <a:rPr lang="en-US" altLang="zh-CN" cap="none" smtClean="0"/>
+              <a:rPr lang="en-US" altLang="zh-CN" cap="none"/>
               <a:t>MySQL</a:t>
             </a:r>
-            <a:endParaRPr lang="en-US" altLang="zh-CN" smtClean="0"/>
+            <a:endParaRPr lang="en-US" altLang="zh-CN"/>
           </a:p>
         </p:txBody>
       </p:sp>
@@ -11540,25 +11276,18 @@
   <p:clrMapOvr>
     <a:masterClrMapping/>
   </p:clrMapOvr>
-  <mc:AlternateContent xmlns:mc="http://schemas.openxmlformats.org/markup-compatibility/2006">
-    <mc:Choice xmlns="" xmlns:p14="http://schemas.microsoft.com/office/powerpoint/2010/main" Requires="p14">
+  <mc:AlternateContent xmlns:mc="http://schemas.openxmlformats.org/markup-compatibility/2006" xmlns:p14="http://schemas.microsoft.com/office/powerpoint/2010/main">
+    <mc:Choice Requires="p14">
       <p:transition spd="med" p14:dur="700">
         <p:fade/>
       </p:transition>
     </mc:Choice>
-    <mc:Fallback>
+    <mc:Fallback xmlns="">
       <p:transition spd="med">
         <p:fade/>
       </p:transition>
     </mc:Fallback>
   </mc:AlternateContent>
-  <p:timing>
-    <p:tnLst>
-      <p:par>
-        <p:cTn id="1" dur="indefinite" restart="never" nodeType="tmRoot"/>
-      </p:par>
-    </p:tnLst>
-  </p:timing>
 </p:sld>
 </file>
 
@@ -11916,7 +11645,7 @@
   <a:extraClrSchemeLst/>
   <a:extLst>
     <a:ext uri="{05A4C25C-085E-4340-85A3-A5531E510DB2}">
-      <thm15:themeFamily xmlns="" xmlns:thm15="http://schemas.microsoft.com/office/thememl/2012/main" name="Office Theme" id="{62F939B6-93AF-4DB8-9C6B-D6C7DFDC589F}" vid="{4A3C46E8-61CC-4603-A589-7422A47A8E4A}"/>
+      <thm15:themeFamily xmlns:thm15="http://schemas.microsoft.com/office/thememl/2012/main" name="Office Theme" id="{62F939B6-93AF-4DB8-9C6B-D6C7DFDC589F}" vid="{4A3C46E8-61CC-4603-A589-7422A47A8E4A}"/>
     </a:ext>
   </a:extLst>
 </a:theme>
@@ -12216,7 +11945,7 @@
   <a:extraClrSchemeLst/>
   <a:extLst>
     <a:ext uri="{05A4C25C-085E-4340-85A3-A5531E510DB2}">
-      <thm15:themeFamily xmlns="" xmlns:thm15="http://schemas.microsoft.com/office/thememl/2012/main" name="Office Theme" id="{62F939B6-93AF-4DB8-9C6B-D6C7DFDC589F}" vid="{4A3C46E8-61CC-4603-A589-7422A47A8E4A}"/>
+      <thm15:themeFamily xmlns:thm15="http://schemas.microsoft.com/office/thememl/2012/main" name="Office Theme" id="{62F939B6-93AF-4DB8-9C6B-D6C7DFDC589F}" vid="{4A3C46E8-61CC-4603-A589-7422A47A8E4A}"/>
     </a:ext>
   </a:extLst>
 </a:theme>
@@ -12516,7 +12245,7 @@
   <a:extraClrSchemeLst/>
   <a:extLst>
     <a:ext uri="{05A4C25C-085E-4340-85A3-A5531E510DB2}">
-      <thm15:themeFamily xmlns="" xmlns:thm15="http://schemas.microsoft.com/office/thememl/2012/main" name="Office Theme" id="{62F939B6-93AF-4DB8-9C6B-D6C7DFDC589F}" vid="{4A3C46E8-61CC-4603-A589-7422A47A8E4A}"/>
+      <thm15:themeFamily xmlns:thm15="http://schemas.microsoft.com/office/thememl/2012/main" name="Office Theme" id="{62F939B6-93AF-4DB8-9C6B-D6C7DFDC589F}" vid="{4A3C46E8-61CC-4603-A589-7422A47A8E4A}"/>
     </a:ext>
   </a:extLst>
 </a:theme>
